--- a/Day 18/OOP.pptx
+++ b/Day 18/OOP.pptx
@@ -5,7 +5,7 @@
     <p:sldMasterId id="2147483648" r:id="rId1"/>
   </p:sldMasterIdLst>
   <p:notesMasterIdLst>
-    <p:notesMasterId r:id="rId21"/>
+    <p:notesMasterId r:id="rId11"/>
   </p:notesMasterIdLst>
   <p:sldIdLst>
     <p:sldId id="256" r:id="rId2"/>
@@ -16,17 +16,7 @@
     <p:sldId id="278" r:id="rId7"/>
     <p:sldId id="279" r:id="rId8"/>
     <p:sldId id="280" r:id="rId9"/>
-    <p:sldId id="281" r:id="rId10"/>
-    <p:sldId id="282" r:id="rId11"/>
-    <p:sldId id="283" r:id="rId12"/>
-    <p:sldId id="284" r:id="rId13"/>
-    <p:sldId id="285" r:id="rId14"/>
-    <p:sldId id="286" r:id="rId15"/>
-    <p:sldId id="287" r:id="rId16"/>
-    <p:sldId id="288" r:id="rId17"/>
-    <p:sldId id="289" r:id="rId18"/>
-    <p:sldId id="290" r:id="rId19"/>
-    <p:sldId id="270" r:id="rId20"/>
+    <p:sldId id="270" r:id="rId10"/>
   </p:sldIdLst>
   <p:sldSz cx="12312650" cy="7200900"/>
   <p:notesSz cx="9144000" cy="6858000"/>
@@ -210,7 +200,7 @@
           <a:p>
             <a:fld id="{18B62E29-65CE-451C-92BE-C7550949F0D8}" type="datetimeFigureOut">
               <a:rPr lang="en-IN" smtClean="0"/>
-              <a:t>04-08-2025</a:t>
+              <a:t>05-08-2025</a:t>
             </a:fld>
             <a:endParaRPr lang="en-IN"/>
           </a:p>
@@ -743,7 +733,7 @@
           <a:p>
             <a:fld id="{ABEA69EC-D54A-4D2B-93D8-80E4662DD78C}" type="datetimeFigureOut">
               <a:rPr lang="en-IN" smtClean="0"/>
-              <a:t>04-08-2025</a:t>
+              <a:t>05-08-2025</a:t>
             </a:fld>
             <a:endParaRPr lang="en-IN"/>
           </a:p>
@@ -913,7 +903,7 @@
           <a:p>
             <a:fld id="{ABEA69EC-D54A-4D2B-93D8-80E4662DD78C}" type="datetimeFigureOut">
               <a:rPr lang="en-IN" smtClean="0"/>
-              <a:t>04-08-2025</a:t>
+              <a:t>05-08-2025</a:t>
             </a:fld>
             <a:endParaRPr lang="en-IN"/>
           </a:p>
@@ -1093,7 +1083,7 @@
           <a:p>
             <a:fld id="{ABEA69EC-D54A-4D2B-93D8-80E4662DD78C}" type="datetimeFigureOut">
               <a:rPr lang="en-IN" smtClean="0"/>
-              <a:t>04-08-2025</a:t>
+              <a:t>05-08-2025</a:t>
             </a:fld>
             <a:endParaRPr lang="en-IN"/>
           </a:p>
@@ -1263,7 +1253,7 @@
           <a:p>
             <a:fld id="{ABEA69EC-D54A-4D2B-93D8-80E4662DD78C}" type="datetimeFigureOut">
               <a:rPr lang="en-IN" smtClean="0"/>
-              <a:t>04-08-2025</a:t>
+              <a:t>05-08-2025</a:t>
             </a:fld>
             <a:endParaRPr lang="en-IN"/>
           </a:p>
@@ -1509,7 +1499,7 @@
           <a:p>
             <a:fld id="{ABEA69EC-D54A-4D2B-93D8-80E4662DD78C}" type="datetimeFigureOut">
               <a:rPr lang="en-IN" smtClean="0"/>
-              <a:t>04-08-2025</a:t>
+              <a:t>05-08-2025</a:t>
             </a:fld>
             <a:endParaRPr lang="en-IN"/>
           </a:p>
@@ -1797,7 +1787,7 @@
           <a:p>
             <a:fld id="{ABEA69EC-D54A-4D2B-93D8-80E4662DD78C}" type="datetimeFigureOut">
               <a:rPr lang="en-IN" smtClean="0"/>
-              <a:t>04-08-2025</a:t>
+              <a:t>05-08-2025</a:t>
             </a:fld>
             <a:endParaRPr lang="en-IN"/>
           </a:p>
@@ -2224,7 +2214,7 @@
           <a:p>
             <a:fld id="{ABEA69EC-D54A-4D2B-93D8-80E4662DD78C}" type="datetimeFigureOut">
               <a:rPr lang="en-IN" smtClean="0"/>
-              <a:t>04-08-2025</a:t>
+              <a:t>05-08-2025</a:t>
             </a:fld>
             <a:endParaRPr lang="en-IN"/>
           </a:p>
@@ -2342,7 +2332,7 @@
           <a:p>
             <a:fld id="{ABEA69EC-D54A-4D2B-93D8-80E4662DD78C}" type="datetimeFigureOut">
               <a:rPr lang="en-IN" smtClean="0"/>
-              <a:t>04-08-2025</a:t>
+              <a:t>05-08-2025</a:t>
             </a:fld>
             <a:endParaRPr lang="en-IN"/>
           </a:p>
@@ -2437,7 +2427,7 @@
           <a:p>
             <a:fld id="{ABEA69EC-D54A-4D2B-93D8-80E4662DD78C}" type="datetimeFigureOut">
               <a:rPr lang="en-IN" smtClean="0"/>
-              <a:t>04-08-2025</a:t>
+              <a:t>05-08-2025</a:t>
             </a:fld>
             <a:endParaRPr lang="en-IN"/>
           </a:p>
@@ -2714,7 +2704,7 @@
           <a:p>
             <a:fld id="{ABEA69EC-D54A-4D2B-93D8-80E4662DD78C}" type="datetimeFigureOut">
               <a:rPr lang="en-IN" smtClean="0"/>
-              <a:t>04-08-2025</a:t>
+              <a:t>05-08-2025</a:t>
             </a:fld>
             <a:endParaRPr lang="en-IN"/>
           </a:p>
@@ -2967,7 +2957,7 @@
           <a:p>
             <a:fld id="{ABEA69EC-D54A-4D2B-93D8-80E4662DD78C}" type="datetimeFigureOut">
               <a:rPr lang="en-IN" smtClean="0"/>
-              <a:t>04-08-2025</a:t>
+              <a:t>05-08-2025</a:t>
             </a:fld>
             <a:endParaRPr lang="en-IN"/>
           </a:p>
@@ -3180,7 +3170,7 @@
           <a:p>
             <a:fld id="{ABEA69EC-D54A-4D2B-93D8-80E4662DD78C}" type="datetimeFigureOut">
               <a:rPr lang="en-IN" smtClean="0"/>
-              <a:t>04-08-2025</a:t>
+              <a:t>05-08-2025</a:t>
             </a:fld>
             <a:endParaRPr lang="en-IN"/>
           </a:p>
@@ -3794,4608 +3784,6 @@
 </p:sld>
 </file>
 
-<file path=ppt/slides/slide10.xml><?xml version="1.0" encoding="utf-8"?>
-<p:sld xmlns:a="http://schemas.openxmlformats.org/drawingml/2006/main" xmlns:r="http://schemas.openxmlformats.org/officeDocument/2006/relationships" xmlns:p="http://schemas.openxmlformats.org/presentationml/2006/main">
-  <p:cSld>
-    <p:spTree>
-      <p:nvGrpSpPr>
-        <p:cNvPr id="1" name=""/>
-        <p:cNvGrpSpPr/>
-        <p:nvPr/>
-      </p:nvGrpSpPr>
-      <p:grpSpPr>
-        <a:xfrm>
-          <a:off x="0" y="0"/>
-          <a:ext cx="0" cy="0"/>
-          <a:chOff x="0" y="0"/>
-          <a:chExt cx="0" cy="0"/>
-        </a:xfrm>
-      </p:grpSpPr>
-      <p:pic>
-        <p:nvPicPr>
-          <p:cNvPr id="4" name="Picture 3"/>
-          <p:cNvPicPr>
-            <a:picLocks/>
-          </p:cNvPicPr>
-          <p:nvPr/>
-        </p:nvPicPr>
-        <p:blipFill>
-          <a:blip r:embed="rId2" cstate="print">
-            <a:extLst>
-              <a:ext uri="{28A0092B-C50C-407E-A947-70E740481C1C}">
-                <a14:useLocalDpi xmlns:a14="http://schemas.microsoft.com/office/drawing/2010/main" val="0"/>
-              </a:ext>
-            </a:extLst>
-          </a:blip>
-          <a:stretch>
-            <a:fillRect/>
-          </a:stretch>
-        </p:blipFill>
-        <p:spPr>
-          <a:xfrm>
-            <a:off x="10588819" y="180259"/>
-            <a:ext cx="1477497" cy="990055"/>
-          </a:xfrm>
-          <a:prstGeom prst="rect">
-            <a:avLst/>
-          </a:prstGeom>
-        </p:spPr>
-      </p:pic>
-      <p:sp>
-        <p:nvSpPr>
-          <p:cNvPr id="5" name="Rectangle 4"/>
-          <p:cNvSpPr/>
-          <p:nvPr/>
-        </p:nvSpPr>
-        <p:spPr>
-          <a:xfrm>
-            <a:off x="7551740" y="5760571"/>
-            <a:ext cx="5827907" cy="1710096"/>
-          </a:xfrm>
-          <a:prstGeom prst="rect">
-            <a:avLst/>
-          </a:prstGeom>
-          <a:noFill/>
-          <a:ln w="12700" cap="flat" cmpd="sng" algn="ctr">
-            <a:noFill/>
-            <a:prstDash val="solid"/>
-            <a:miter lim="800000"/>
-          </a:ln>
-          <a:effectLst/>
-          <a:extLst>
-            <a:ext uri="{909E8E84-426E-40DD-AFC4-6F175D3DCCD1}">
-              <a14:hiddenFill xmlns:a14="http://schemas.microsoft.com/office/drawing/2010/main">
-                <a:solidFill>
-                  <a:schemeClr val="accent1"/>
-                </a:solidFill>
-              </a14:hiddenFill>
-            </a:ext>
-            <a:ext uri="{91240B29-F687-4F45-9708-019B960494DF}">
-              <a14:hiddenLine xmlns:a14="http://schemas.microsoft.com/office/drawing/2010/main" w="12700" cap="flat" cmpd="sng" algn="ctr">
-                <a:solidFill>
-                  <a:schemeClr val="accent1">
-                    <a:shade val="50000"/>
-                  </a:schemeClr>
-                </a:solidFill>
-                <a:prstDash val="solid"/>
-                <a:miter lim="800000"/>
-              </a14:hiddenLine>
-            </a:ext>
-          </a:extLst>
-        </p:spPr>
-        <p:style>
-          <a:lnRef idx="2">
-            <a:schemeClr val="accent1">
-              <a:shade val="50000"/>
-            </a:schemeClr>
-          </a:lnRef>
-          <a:fillRef idx="1">
-            <a:schemeClr val="accent1"/>
-          </a:fillRef>
-          <a:effectRef idx="0">
-            <a:schemeClr val="accent1"/>
-          </a:effectRef>
-          <a:fontRef idx="minor">
-            <a:schemeClr val="lt1"/>
-          </a:fontRef>
-        </p:style>
-        <p:txBody>
-          <a:bodyPr lIns="103239" tIns="45884" rIns="103239" bIns="45884" rtlCol="0" anchor="t"/>
-          <a:lstStyle/>
-          <a:p>
-            <a:pPr algn="ctr"/>
-            <a:endParaRPr lang="en-US" sz="3300" b="1" dirty="0">
-              <a:solidFill>
-                <a:srgbClr val="FF0000"/>
-              </a:solidFill>
-              <a:latin typeface="Calibri" panose="020F0502020204030204" pitchFamily="34" charset="0"/>
-            </a:endParaRPr>
-          </a:p>
-        </p:txBody>
-      </p:sp>
-      <p:sp>
-        <p:nvSpPr>
-          <p:cNvPr id="9" name="TextBox 8"/>
-          <p:cNvSpPr txBox="1"/>
-          <p:nvPr/>
-        </p:nvSpPr>
-        <p:spPr>
-          <a:xfrm>
-            <a:off x="367362" y="360090"/>
-            <a:ext cx="5990328" cy="6543728"/>
-          </a:xfrm>
-          <a:prstGeom prst="rect">
-            <a:avLst/>
-          </a:prstGeom>
-        </p:spPr>
-        <p:style>
-          <a:lnRef idx="2">
-            <a:schemeClr val="dk1"/>
-          </a:lnRef>
-          <a:fillRef idx="1">
-            <a:schemeClr val="lt1"/>
-          </a:fillRef>
-          <a:effectRef idx="0">
-            <a:schemeClr val="dk1"/>
-          </a:effectRef>
-          <a:fontRef idx="minor">
-            <a:schemeClr val="dk1"/>
-          </a:fontRef>
-        </p:style>
-        <p:txBody>
-          <a:bodyPr wrap="square" lIns="110121" tIns="55061" rIns="110121" bIns="55061" rtlCol="0">
-            <a:spAutoFit/>
-          </a:bodyPr>
-          <a:lstStyle/>
-          <a:p>
-            <a:r>
-              <a:rPr lang="en-US" b="1" dirty="0" smtClean="0"/>
-              <a:t>class </a:t>
-            </a:r>
-            <a:r>
-              <a:rPr lang="en-US" b="1" dirty="0"/>
-              <a:t>Student {</a:t>
-            </a:r>
-          </a:p>
-          <a:p>
-            <a:r>
-              <a:rPr lang="en-US" b="1" dirty="0"/>
-              <a:t>  public:</a:t>
-            </a:r>
-          </a:p>
-          <a:p>
-            <a:r>
-              <a:rPr lang="en-US" b="1" dirty="0"/>
-              <a:t>    string name;</a:t>
-            </a:r>
-          </a:p>
-          <a:p>
-            <a:r>
-              <a:rPr lang="en-US" b="1" dirty="0"/>
-              <a:t>    </a:t>
-            </a:r>
-            <a:r>
-              <a:rPr lang="en-US" b="1" dirty="0" err="1"/>
-              <a:t>int</a:t>
-            </a:r>
-            <a:r>
-              <a:rPr lang="en-US" b="1" dirty="0"/>
-              <a:t> age;</a:t>
-            </a:r>
-          </a:p>
-          <a:p>
-            <a:endParaRPr lang="en-US" b="1" dirty="0"/>
-          </a:p>
-          <a:p>
-            <a:r>
-              <a:rPr lang="en-US" b="1" dirty="0">
-                <a:solidFill>
-                  <a:srgbClr val="FF0000"/>
-                </a:solidFill>
-              </a:rPr>
-              <a:t>    // Default Constructor</a:t>
-            </a:r>
-          </a:p>
-          <a:p>
-            <a:r>
-              <a:rPr lang="en-US" b="1" dirty="0">
-                <a:solidFill>
-                  <a:srgbClr val="FF0000"/>
-                </a:solidFill>
-              </a:rPr>
-              <a:t>    Student() {</a:t>
-            </a:r>
-          </a:p>
-          <a:p>
-            <a:r>
-              <a:rPr lang="en-US" b="1" dirty="0">
-                <a:solidFill>
-                  <a:srgbClr val="FF0000"/>
-                </a:solidFill>
-              </a:rPr>
-              <a:t>      </a:t>
-            </a:r>
-            <a:r>
-              <a:rPr lang="en-US" b="1" dirty="0" err="1" smtClean="0">
-                <a:solidFill>
-                  <a:srgbClr val="FF0000"/>
-                </a:solidFill>
-              </a:rPr>
-              <a:t>cout</a:t>
-            </a:r>
-            <a:r>
-              <a:rPr lang="en-US" b="1" dirty="0" smtClean="0">
-                <a:solidFill>
-                  <a:srgbClr val="FF0000"/>
-                </a:solidFill>
-              </a:rPr>
-              <a:t>&lt;&lt;“Default cons”&lt;&lt;</a:t>
-            </a:r>
-            <a:r>
-              <a:rPr lang="en-US" b="1" dirty="0" err="1" smtClean="0">
-                <a:solidFill>
-                  <a:srgbClr val="FF0000"/>
-                </a:solidFill>
-              </a:rPr>
-              <a:t>endl</a:t>
-            </a:r>
-            <a:r>
-              <a:rPr lang="en-US" b="1" dirty="0" smtClean="0">
-                <a:solidFill>
-                  <a:srgbClr val="FF0000"/>
-                </a:solidFill>
-              </a:rPr>
-              <a:t>;</a:t>
-            </a:r>
-          </a:p>
-          <a:p>
-            <a:r>
-              <a:rPr lang="en-US" b="1" dirty="0" smtClean="0">
-                <a:solidFill>
-                  <a:srgbClr val="FF0000"/>
-                </a:solidFill>
-              </a:rPr>
-              <a:t>    }</a:t>
-            </a:r>
-            <a:endParaRPr lang="en-US" b="1" dirty="0">
-              <a:solidFill>
-                <a:srgbClr val="FF0000"/>
-              </a:solidFill>
-            </a:endParaRPr>
-          </a:p>
-          <a:p>
-            <a:r>
-              <a:rPr lang="en-US" b="1" dirty="0"/>
-              <a:t>    </a:t>
-            </a:r>
-            <a:r>
-              <a:rPr lang="en-US" b="1" dirty="0">
-                <a:solidFill>
-                  <a:srgbClr val="0070C0"/>
-                </a:solidFill>
-              </a:rPr>
-              <a:t>// Parameterized Constructor</a:t>
-            </a:r>
-          </a:p>
-          <a:p>
-            <a:r>
-              <a:rPr lang="en-US" b="1" dirty="0">
-                <a:solidFill>
-                  <a:srgbClr val="0070C0"/>
-                </a:solidFill>
-              </a:rPr>
-              <a:t>    Student(string n, </a:t>
-            </a:r>
-            <a:r>
-              <a:rPr lang="en-US" b="1" dirty="0" err="1">
-                <a:solidFill>
-                  <a:srgbClr val="0070C0"/>
-                </a:solidFill>
-              </a:rPr>
-              <a:t>int</a:t>
-            </a:r>
-            <a:r>
-              <a:rPr lang="en-US" b="1" dirty="0">
-                <a:solidFill>
-                  <a:srgbClr val="0070C0"/>
-                </a:solidFill>
-              </a:rPr>
-              <a:t> a) {</a:t>
-            </a:r>
-          </a:p>
-          <a:p>
-            <a:r>
-              <a:rPr lang="en-US" b="1" dirty="0">
-                <a:solidFill>
-                  <a:srgbClr val="0070C0"/>
-                </a:solidFill>
-              </a:rPr>
-              <a:t>       </a:t>
-            </a:r>
-            <a:r>
-              <a:rPr lang="en-US" b="1" dirty="0" err="1">
-                <a:solidFill>
-                  <a:srgbClr val="0070C0"/>
-                </a:solidFill>
-              </a:rPr>
-              <a:t>cout</a:t>
-            </a:r>
-            <a:r>
-              <a:rPr lang="en-US" b="1" dirty="0" smtClean="0">
-                <a:solidFill>
-                  <a:srgbClr val="0070C0"/>
-                </a:solidFill>
-              </a:rPr>
-              <a:t>&lt;&lt;“</a:t>
-            </a:r>
-            <a:r>
-              <a:rPr lang="en-US" b="1" dirty="0">
-                <a:solidFill>
-                  <a:srgbClr val="0070C0"/>
-                </a:solidFill>
-              </a:rPr>
-              <a:t>Parameterized </a:t>
-            </a:r>
-            <a:r>
-              <a:rPr lang="en-US" b="1" dirty="0" smtClean="0">
-                <a:solidFill>
-                  <a:srgbClr val="0070C0"/>
-                </a:solidFill>
-              </a:rPr>
-              <a:t> cons</a:t>
-            </a:r>
-            <a:r>
-              <a:rPr lang="en-US" b="1" dirty="0">
-                <a:solidFill>
-                  <a:srgbClr val="0070C0"/>
-                </a:solidFill>
-              </a:rPr>
-              <a:t>”&lt;&lt;</a:t>
-            </a:r>
-            <a:r>
-              <a:rPr lang="en-US" b="1" dirty="0" err="1">
-                <a:solidFill>
-                  <a:srgbClr val="0070C0"/>
-                </a:solidFill>
-              </a:rPr>
-              <a:t>endl</a:t>
-            </a:r>
-            <a:r>
-              <a:rPr lang="en-US" b="1" dirty="0">
-                <a:solidFill>
-                  <a:srgbClr val="0070C0"/>
-                </a:solidFill>
-              </a:rPr>
-              <a:t>;</a:t>
-            </a:r>
-            <a:endParaRPr lang="en-US" b="1" dirty="0" smtClean="0">
-              <a:solidFill>
-                <a:srgbClr val="0070C0"/>
-              </a:solidFill>
-            </a:endParaRPr>
-          </a:p>
-          <a:p>
-            <a:r>
-              <a:rPr lang="en-US" b="1" dirty="0" smtClean="0">
-                <a:solidFill>
-                  <a:srgbClr val="0070C0"/>
-                </a:solidFill>
-              </a:rPr>
-              <a:t>    }</a:t>
-            </a:r>
-            <a:endParaRPr lang="en-US" b="1" dirty="0">
-              <a:solidFill>
-                <a:srgbClr val="0070C0"/>
-              </a:solidFill>
-            </a:endParaRPr>
-          </a:p>
-          <a:p>
-            <a:r>
-              <a:rPr lang="en-US" b="1" dirty="0"/>
-              <a:t>    </a:t>
-            </a:r>
-            <a:r>
-              <a:rPr lang="en-US" b="1" dirty="0">
-                <a:solidFill>
-                  <a:srgbClr val="00B050"/>
-                </a:solidFill>
-              </a:rPr>
-              <a:t>// Copy Constructor</a:t>
-            </a:r>
-          </a:p>
-          <a:p>
-            <a:r>
-              <a:rPr lang="en-US" b="1" dirty="0">
-                <a:solidFill>
-                  <a:srgbClr val="00B050"/>
-                </a:solidFill>
-              </a:rPr>
-              <a:t>    Student(</a:t>
-            </a:r>
-            <a:r>
-              <a:rPr lang="en-US" b="1" dirty="0" err="1">
-                <a:solidFill>
-                  <a:srgbClr val="00B050"/>
-                </a:solidFill>
-              </a:rPr>
-              <a:t>const</a:t>
-            </a:r>
-            <a:r>
-              <a:rPr lang="en-US" b="1" dirty="0">
-                <a:solidFill>
-                  <a:srgbClr val="00B050"/>
-                </a:solidFill>
-              </a:rPr>
-              <a:t> Student &amp;s) </a:t>
-            </a:r>
-            <a:r>
-              <a:rPr lang="en-US" b="1" dirty="0" smtClean="0">
-                <a:solidFill>
-                  <a:srgbClr val="00B050"/>
-                </a:solidFill>
-              </a:rPr>
-              <a:t>{</a:t>
-            </a:r>
-          </a:p>
-          <a:p>
-            <a:r>
-              <a:rPr lang="en-US" b="1" dirty="0" smtClean="0">
-                <a:solidFill>
-                  <a:srgbClr val="00B050"/>
-                </a:solidFill>
-              </a:rPr>
-              <a:t>      </a:t>
-            </a:r>
-            <a:r>
-              <a:rPr lang="en-US" b="1" dirty="0" err="1">
-                <a:solidFill>
-                  <a:srgbClr val="00B050"/>
-                </a:solidFill>
-              </a:rPr>
-              <a:t>cout</a:t>
-            </a:r>
-            <a:r>
-              <a:rPr lang="en-US" b="1" dirty="0">
-                <a:solidFill>
-                  <a:srgbClr val="00B050"/>
-                </a:solidFill>
-              </a:rPr>
-              <a:t>&lt;&lt;“Parameterized  cons”&lt;&lt;</a:t>
-            </a:r>
-            <a:r>
-              <a:rPr lang="en-US" b="1" dirty="0" err="1">
-                <a:solidFill>
-                  <a:srgbClr val="00B050"/>
-                </a:solidFill>
-              </a:rPr>
-              <a:t>endl</a:t>
-            </a:r>
-            <a:r>
-              <a:rPr lang="en-US" b="1" dirty="0" smtClean="0">
-                <a:solidFill>
-                  <a:srgbClr val="00B050"/>
-                </a:solidFill>
-              </a:rPr>
-              <a:t>;</a:t>
-            </a:r>
-            <a:endParaRPr lang="en-US" b="1" dirty="0">
-              <a:solidFill>
-                <a:srgbClr val="00B050"/>
-              </a:solidFill>
-            </a:endParaRPr>
-          </a:p>
-          <a:p>
-            <a:r>
-              <a:rPr lang="en-US" b="1" dirty="0" smtClean="0">
-                <a:solidFill>
-                  <a:srgbClr val="00B050"/>
-                </a:solidFill>
-              </a:rPr>
-              <a:t>    }</a:t>
-            </a:r>
-            <a:endParaRPr lang="en-US" b="1" dirty="0">
-              <a:solidFill>
-                <a:srgbClr val="00B050"/>
-              </a:solidFill>
-            </a:endParaRPr>
-          </a:p>
-          <a:p>
-            <a:r>
-              <a:rPr lang="en-US" b="1" dirty="0" smtClean="0"/>
-              <a:t>};</a:t>
-            </a:r>
-            <a:endParaRPr lang="en-US" b="1" dirty="0"/>
-          </a:p>
-          <a:p>
-            <a:endParaRPr lang="en-US" b="1" dirty="0"/>
-          </a:p>
-        </p:txBody>
-      </p:sp>
-      <p:sp>
-        <p:nvSpPr>
-          <p:cNvPr id="3" name="Rectangle 2"/>
-          <p:cNvSpPr/>
-          <p:nvPr/>
-        </p:nvSpPr>
-        <p:spPr>
-          <a:xfrm>
-            <a:off x="6660381" y="1728242"/>
-            <a:ext cx="5549951" cy="4154984"/>
-          </a:xfrm>
-          <a:prstGeom prst="rect">
-            <a:avLst/>
-          </a:prstGeom>
-        </p:spPr>
-        <p:txBody>
-          <a:bodyPr wrap="square">
-            <a:spAutoFit/>
-          </a:bodyPr>
-          <a:lstStyle/>
-          <a:p>
-            <a:r>
-              <a:rPr lang="en-US" b="1" dirty="0" err="1"/>
-              <a:t>int</a:t>
-            </a:r>
-            <a:r>
-              <a:rPr lang="en-US" b="1" dirty="0"/>
-              <a:t> main() </a:t>
-            </a:r>
-            <a:r>
-              <a:rPr lang="en-US" b="1" dirty="0" smtClean="0"/>
-              <a:t>{</a:t>
-            </a:r>
-          </a:p>
-          <a:p>
-            <a:pPr lvl="1"/>
-            <a:r>
-              <a:rPr lang="en-US" b="1" dirty="0">
-                <a:solidFill>
-                  <a:srgbClr val="FF0000"/>
-                </a:solidFill>
-              </a:rPr>
-              <a:t>// Calls Default constructor</a:t>
-            </a:r>
-          </a:p>
-          <a:p>
-            <a:pPr lvl="1"/>
-            <a:r>
-              <a:rPr lang="en-US" b="1" dirty="0">
-                <a:solidFill>
-                  <a:srgbClr val="FF0000"/>
-                </a:solidFill>
-              </a:rPr>
-              <a:t>  Student s1;             </a:t>
-            </a:r>
-            <a:endParaRPr lang="en-US" b="1" dirty="0" smtClean="0">
-              <a:solidFill>
-                <a:srgbClr val="FF0000"/>
-              </a:solidFill>
-            </a:endParaRPr>
-          </a:p>
-          <a:p>
-            <a:pPr lvl="1"/>
-            <a:endParaRPr lang="en-US" b="1" dirty="0" smtClean="0"/>
-          </a:p>
-          <a:p>
-            <a:pPr lvl="1"/>
-            <a:r>
-              <a:rPr lang="en-US" b="1" dirty="0">
-                <a:solidFill>
-                  <a:srgbClr val="0070C0"/>
-                </a:solidFill>
-              </a:rPr>
-              <a:t>// Calls Parameterized</a:t>
-            </a:r>
-            <a:r>
-              <a:rPr lang="en-US" b="1" dirty="0" smtClean="0">
-                <a:solidFill>
-                  <a:srgbClr val="0070C0"/>
-                </a:solidFill>
-              </a:rPr>
-              <a:t> </a:t>
-            </a:r>
-            <a:r>
-              <a:rPr lang="en-US" b="1" dirty="0">
-                <a:solidFill>
-                  <a:srgbClr val="0070C0"/>
-                </a:solidFill>
-              </a:rPr>
-              <a:t>constructor</a:t>
-            </a:r>
-            <a:r>
-              <a:rPr lang="en-US" b="1" dirty="0" smtClean="0">
-                <a:solidFill>
-                  <a:srgbClr val="0070C0"/>
-                </a:solidFill>
-              </a:rPr>
-              <a:t>    </a:t>
-            </a:r>
-            <a:endParaRPr lang="en-US" b="1" dirty="0">
-              <a:solidFill>
-                <a:srgbClr val="0070C0"/>
-              </a:solidFill>
-            </a:endParaRPr>
-          </a:p>
-          <a:p>
-            <a:pPr lvl="1"/>
-            <a:r>
-              <a:rPr lang="en-US" b="1" dirty="0">
-                <a:solidFill>
-                  <a:srgbClr val="0070C0"/>
-                </a:solidFill>
-              </a:rPr>
-              <a:t>  Student s2("John", 20); </a:t>
-            </a:r>
-            <a:endParaRPr lang="en-US" b="1" dirty="0" smtClean="0">
-              <a:solidFill>
-                <a:srgbClr val="0070C0"/>
-              </a:solidFill>
-            </a:endParaRPr>
-          </a:p>
-          <a:p>
-            <a:pPr lvl="1"/>
-            <a:endParaRPr lang="en-US" b="1" dirty="0" smtClean="0"/>
-          </a:p>
-          <a:p>
-            <a:pPr lvl="1"/>
-            <a:r>
-              <a:rPr lang="en-US" b="1" dirty="0">
-                <a:solidFill>
-                  <a:srgbClr val="00B050"/>
-                </a:solidFill>
-              </a:rPr>
-              <a:t>// Calls Copy constructor</a:t>
-            </a:r>
-          </a:p>
-          <a:p>
-            <a:pPr lvl="1"/>
-            <a:r>
-              <a:rPr lang="en-US" b="1" dirty="0" smtClean="0">
-                <a:solidFill>
-                  <a:srgbClr val="00B050"/>
-                </a:solidFill>
-              </a:rPr>
-              <a:t>  </a:t>
-            </a:r>
-            <a:r>
-              <a:rPr lang="en-US" b="1" dirty="0">
-                <a:solidFill>
-                  <a:srgbClr val="00B050"/>
-                </a:solidFill>
-              </a:rPr>
-              <a:t>Student s3 = s2;               </a:t>
-            </a:r>
-          </a:p>
-          <a:p>
-            <a:endParaRPr lang="en-US" b="1" dirty="0"/>
-          </a:p>
-          <a:p>
-            <a:r>
-              <a:rPr lang="en-US" b="1" dirty="0"/>
-              <a:t>  return 0;</a:t>
-            </a:r>
-          </a:p>
-          <a:p>
-            <a:r>
-              <a:rPr lang="en-US" b="1" dirty="0"/>
-              <a:t>}</a:t>
-            </a:r>
-            <a:endParaRPr lang="en-US" b="1" dirty="0"/>
-          </a:p>
-        </p:txBody>
-      </p:sp>
-    </p:spTree>
-    <p:extLst>
-      <p:ext uri="{BB962C8B-B14F-4D97-AF65-F5344CB8AC3E}">
-        <p14:creationId xmlns:p14="http://schemas.microsoft.com/office/powerpoint/2010/main" val="1857207875"/>
-      </p:ext>
-    </p:extLst>
-  </p:cSld>
-  <p:clrMapOvr>
-    <a:masterClrMapping/>
-  </p:clrMapOvr>
-  <p:timing>
-    <p:tnLst>
-      <p:par>
-        <p:cTn id="1" dur="indefinite" restart="never" nodeType="tmRoot"/>
-      </p:par>
-    </p:tnLst>
-  </p:timing>
-</p:sld>
-</file>
-
-<file path=ppt/slides/slide11.xml><?xml version="1.0" encoding="utf-8"?>
-<p:sld xmlns:a="http://schemas.openxmlformats.org/drawingml/2006/main" xmlns:r="http://schemas.openxmlformats.org/officeDocument/2006/relationships" xmlns:p="http://schemas.openxmlformats.org/presentationml/2006/main">
-  <p:cSld>
-    <p:spTree>
-      <p:nvGrpSpPr>
-        <p:cNvPr id="1" name=""/>
-        <p:cNvGrpSpPr/>
-        <p:nvPr/>
-      </p:nvGrpSpPr>
-      <p:grpSpPr>
-        <a:xfrm>
-          <a:off x="0" y="0"/>
-          <a:ext cx="0" cy="0"/>
-          <a:chOff x="0" y="0"/>
-          <a:chExt cx="0" cy="0"/>
-        </a:xfrm>
-      </p:grpSpPr>
-      <p:pic>
-        <p:nvPicPr>
-          <p:cNvPr id="4" name="Picture 3"/>
-          <p:cNvPicPr>
-            <a:picLocks/>
-          </p:cNvPicPr>
-          <p:nvPr/>
-        </p:nvPicPr>
-        <p:blipFill>
-          <a:blip r:embed="rId2" cstate="print">
-            <a:extLst>
-              <a:ext uri="{28A0092B-C50C-407E-A947-70E740481C1C}">
-                <a14:useLocalDpi xmlns:a14="http://schemas.microsoft.com/office/drawing/2010/main" val="0"/>
-              </a:ext>
-            </a:extLst>
-          </a:blip>
-          <a:stretch>
-            <a:fillRect/>
-          </a:stretch>
-        </p:blipFill>
-        <p:spPr>
-          <a:xfrm>
-            <a:off x="10588819" y="180259"/>
-            <a:ext cx="1477497" cy="990055"/>
-          </a:xfrm>
-          <a:prstGeom prst="rect">
-            <a:avLst/>
-          </a:prstGeom>
-        </p:spPr>
-      </p:pic>
-      <p:sp>
-        <p:nvSpPr>
-          <p:cNvPr id="5" name="Rectangle 4"/>
-          <p:cNvSpPr/>
-          <p:nvPr/>
-        </p:nvSpPr>
-        <p:spPr>
-          <a:xfrm>
-            <a:off x="7551740" y="5760571"/>
-            <a:ext cx="5827907" cy="1710096"/>
-          </a:xfrm>
-          <a:prstGeom prst="rect">
-            <a:avLst/>
-          </a:prstGeom>
-          <a:noFill/>
-          <a:ln w="12700" cap="flat" cmpd="sng" algn="ctr">
-            <a:noFill/>
-            <a:prstDash val="solid"/>
-            <a:miter lim="800000"/>
-          </a:ln>
-          <a:effectLst/>
-          <a:extLst>
-            <a:ext uri="{909E8E84-426E-40DD-AFC4-6F175D3DCCD1}">
-              <a14:hiddenFill xmlns:a14="http://schemas.microsoft.com/office/drawing/2010/main">
-                <a:solidFill>
-                  <a:schemeClr val="accent1"/>
-                </a:solidFill>
-              </a14:hiddenFill>
-            </a:ext>
-            <a:ext uri="{91240B29-F687-4F45-9708-019B960494DF}">
-              <a14:hiddenLine xmlns:a14="http://schemas.microsoft.com/office/drawing/2010/main" w="12700" cap="flat" cmpd="sng" algn="ctr">
-                <a:solidFill>
-                  <a:schemeClr val="accent1">
-                    <a:shade val="50000"/>
-                  </a:schemeClr>
-                </a:solidFill>
-                <a:prstDash val="solid"/>
-                <a:miter lim="800000"/>
-              </a14:hiddenLine>
-            </a:ext>
-          </a:extLst>
-        </p:spPr>
-        <p:style>
-          <a:lnRef idx="2">
-            <a:schemeClr val="accent1">
-              <a:shade val="50000"/>
-            </a:schemeClr>
-          </a:lnRef>
-          <a:fillRef idx="1">
-            <a:schemeClr val="accent1"/>
-          </a:fillRef>
-          <a:effectRef idx="0">
-            <a:schemeClr val="accent1"/>
-          </a:effectRef>
-          <a:fontRef idx="minor">
-            <a:schemeClr val="lt1"/>
-          </a:fontRef>
-        </p:style>
-        <p:txBody>
-          <a:bodyPr lIns="103239" tIns="45884" rIns="103239" bIns="45884" rtlCol="0" anchor="t"/>
-          <a:lstStyle/>
-          <a:p>
-            <a:pPr algn="ctr"/>
-            <a:endParaRPr lang="en-US" sz="3300" b="1" dirty="0">
-              <a:solidFill>
-                <a:srgbClr val="FF0000"/>
-              </a:solidFill>
-              <a:latin typeface="Calibri" panose="020F0502020204030204" pitchFamily="34" charset="0"/>
-            </a:endParaRPr>
-          </a:p>
-        </p:txBody>
-      </p:sp>
-      <p:sp>
-        <p:nvSpPr>
-          <p:cNvPr id="3" name="Rectangle 2"/>
-          <p:cNvSpPr/>
-          <p:nvPr/>
-        </p:nvSpPr>
-        <p:spPr>
-          <a:xfrm>
-            <a:off x="611709" y="360090"/>
-            <a:ext cx="9577064" cy="2970044"/>
-          </a:xfrm>
-          <a:prstGeom prst="rect">
-            <a:avLst/>
-          </a:prstGeom>
-        </p:spPr>
-        <p:txBody>
-          <a:bodyPr wrap="square">
-            <a:spAutoFit/>
-          </a:bodyPr>
-          <a:lstStyle/>
-          <a:p>
-            <a:r>
-              <a:rPr lang="en-US" b="1" dirty="0">
-                <a:solidFill>
-                  <a:srgbClr val="FF0000"/>
-                </a:solidFill>
-              </a:rPr>
-              <a:t>Destructor in C++</a:t>
-            </a:r>
-          </a:p>
-          <a:p>
-            <a:pPr marL="898398" lvl="1" indent="-342900">
-              <a:lnSpc>
-                <a:spcPct val="150000"/>
-              </a:lnSpc>
-              <a:buFont typeface="Arial" pitchFamily="34" charset="0"/>
-              <a:buChar char="•"/>
-            </a:pPr>
-            <a:r>
-              <a:rPr lang="en-US" dirty="0"/>
-              <a:t>A </a:t>
-            </a:r>
-            <a:r>
-              <a:rPr lang="en-US" b="1" dirty="0"/>
-              <a:t>destructor</a:t>
-            </a:r>
-            <a:r>
-              <a:rPr lang="en-US" dirty="0"/>
-              <a:t> is a special function in a class.</a:t>
-            </a:r>
-          </a:p>
-          <a:p>
-            <a:pPr marL="898398" lvl="1" indent="-342900">
-              <a:lnSpc>
-                <a:spcPct val="150000"/>
-              </a:lnSpc>
-              <a:buFont typeface="Arial" pitchFamily="34" charset="0"/>
-              <a:buChar char="•"/>
-            </a:pPr>
-            <a:r>
-              <a:rPr lang="en-US" dirty="0"/>
-              <a:t>It is called </a:t>
-            </a:r>
-            <a:r>
-              <a:rPr lang="en-US" b="1" dirty="0"/>
-              <a:t>automatically when an object goes out of scope</a:t>
-            </a:r>
-            <a:r>
-              <a:rPr lang="en-US" dirty="0"/>
-              <a:t> or is deleted.</a:t>
-            </a:r>
-          </a:p>
-          <a:p>
-            <a:pPr marL="898398" lvl="1" indent="-342900">
-              <a:lnSpc>
-                <a:spcPct val="150000"/>
-              </a:lnSpc>
-              <a:buFont typeface="Arial" pitchFamily="34" charset="0"/>
-              <a:buChar char="•"/>
-            </a:pPr>
-            <a:r>
-              <a:rPr lang="en-US" dirty="0"/>
-              <a:t>Used to </a:t>
-            </a:r>
-            <a:r>
-              <a:rPr lang="en-US" b="1" dirty="0"/>
-              <a:t>free resources</a:t>
-            </a:r>
-            <a:r>
-              <a:rPr lang="en-US" dirty="0"/>
-              <a:t> (memory, files, etc.).</a:t>
-            </a:r>
-          </a:p>
-          <a:p>
-            <a:pPr marL="898398" lvl="1" indent="-342900">
-              <a:lnSpc>
-                <a:spcPct val="150000"/>
-              </a:lnSpc>
-              <a:buFont typeface="Arial" pitchFamily="34" charset="0"/>
-              <a:buChar char="•"/>
-            </a:pPr>
-            <a:r>
-              <a:rPr lang="en-US" dirty="0"/>
-              <a:t>Has the </a:t>
-            </a:r>
-            <a:r>
-              <a:rPr lang="en-US" b="1" dirty="0"/>
-              <a:t>same name as the class</a:t>
-            </a:r>
-            <a:r>
-              <a:rPr lang="en-US" dirty="0"/>
-              <a:t>, but with a </a:t>
-            </a:r>
-            <a:r>
-              <a:rPr lang="en-US" b="1" dirty="0"/>
-              <a:t>tilde (~)</a:t>
-            </a:r>
-            <a:r>
-              <a:rPr lang="en-US" dirty="0"/>
-              <a:t> before it.</a:t>
-            </a:r>
-          </a:p>
-          <a:p>
-            <a:pPr marL="898398" lvl="1" indent="-342900">
-              <a:lnSpc>
-                <a:spcPct val="150000"/>
-              </a:lnSpc>
-              <a:buFont typeface="Arial" pitchFamily="34" charset="0"/>
-              <a:buChar char="•"/>
-            </a:pPr>
-            <a:r>
-              <a:rPr lang="en-US" b="1" dirty="0"/>
-              <a:t>No return type</a:t>
-            </a:r>
-            <a:r>
-              <a:rPr lang="en-US" dirty="0"/>
-              <a:t> and </a:t>
-            </a:r>
-            <a:r>
-              <a:rPr lang="en-US" b="1" dirty="0"/>
-              <a:t>no parameters</a:t>
-            </a:r>
-            <a:r>
-              <a:rPr lang="en-US" dirty="0"/>
-              <a:t>.</a:t>
-            </a:r>
-          </a:p>
-        </p:txBody>
-      </p:sp>
-      <p:sp>
-        <p:nvSpPr>
-          <p:cNvPr id="2" name="Rectangle 1"/>
-          <p:cNvSpPr/>
-          <p:nvPr/>
-        </p:nvSpPr>
-        <p:spPr>
-          <a:xfrm>
-            <a:off x="1043758" y="3816474"/>
-            <a:ext cx="2808312" cy="1107996"/>
-          </a:xfrm>
-          <a:prstGeom prst="rect">
-            <a:avLst/>
-          </a:prstGeom>
-        </p:spPr>
-        <p:style>
-          <a:lnRef idx="2">
-            <a:schemeClr val="dk1">
-              <a:shade val="50000"/>
-            </a:schemeClr>
-          </a:lnRef>
-          <a:fillRef idx="1">
-            <a:schemeClr val="dk1"/>
-          </a:fillRef>
-          <a:effectRef idx="0">
-            <a:schemeClr val="dk1"/>
-          </a:effectRef>
-          <a:fontRef idx="minor">
-            <a:schemeClr val="lt1"/>
-          </a:fontRef>
-        </p:style>
-        <p:txBody>
-          <a:bodyPr wrap="square">
-            <a:spAutoFit/>
-          </a:bodyPr>
-          <a:lstStyle/>
-          <a:p>
-            <a:r>
-              <a:rPr lang="en-IN" b="1" dirty="0"/>
-              <a:t>~</a:t>
-            </a:r>
-            <a:r>
-              <a:rPr lang="en-IN" b="1" dirty="0" err="1"/>
-              <a:t>ClassName</a:t>
-            </a:r>
-            <a:r>
-              <a:rPr lang="en-IN" b="1" dirty="0"/>
-              <a:t>() {</a:t>
-            </a:r>
-          </a:p>
-          <a:p>
-            <a:r>
-              <a:rPr lang="en-IN" b="1" dirty="0"/>
-              <a:t>  // </a:t>
-            </a:r>
-            <a:r>
-              <a:rPr lang="en-IN" b="1" dirty="0" err="1"/>
-              <a:t>cleanup</a:t>
-            </a:r>
-            <a:r>
-              <a:rPr lang="en-IN" b="1" dirty="0"/>
-              <a:t> code</a:t>
-            </a:r>
-          </a:p>
-          <a:p>
-            <a:r>
-              <a:rPr lang="en-IN" b="1" dirty="0"/>
-              <a:t>}</a:t>
-            </a:r>
-          </a:p>
-        </p:txBody>
-      </p:sp>
-    </p:spTree>
-    <p:extLst>
-      <p:ext uri="{BB962C8B-B14F-4D97-AF65-F5344CB8AC3E}">
-        <p14:creationId xmlns:p14="http://schemas.microsoft.com/office/powerpoint/2010/main" val="1183162364"/>
-      </p:ext>
-    </p:extLst>
-  </p:cSld>
-  <p:clrMapOvr>
-    <a:masterClrMapping/>
-  </p:clrMapOvr>
-  <p:timing>
-    <p:tnLst>
-      <p:par>
-        <p:cTn id="1" dur="indefinite" restart="never" nodeType="tmRoot"/>
-      </p:par>
-    </p:tnLst>
-  </p:timing>
-</p:sld>
-</file>
-
-<file path=ppt/slides/slide12.xml><?xml version="1.0" encoding="utf-8"?>
-<p:sld xmlns:a="http://schemas.openxmlformats.org/drawingml/2006/main" xmlns:r="http://schemas.openxmlformats.org/officeDocument/2006/relationships" xmlns:p="http://schemas.openxmlformats.org/presentationml/2006/main">
-  <p:cSld>
-    <p:spTree>
-      <p:nvGrpSpPr>
-        <p:cNvPr id="1" name=""/>
-        <p:cNvGrpSpPr/>
-        <p:nvPr/>
-      </p:nvGrpSpPr>
-      <p:grpSpPr>
-        <a:xfrm>
-          <a:off x="0" y="0"/>
-          <a:ext cx="0" cy="0"/>
-          <a:chOff x="0" y="0"/>
-          <a:chExt cx="0" cy="0"/>
-        </a:xfrm>
-      </p:grpSpPr>
-      <p:pic>
-        <p:nvPicPr>
-          <p:cNvPr id="4" name="Picture 3"/>
-          <p:cNvPicPr>
-            <a:picLocks/>
-          </p:cNvPicPr>
-          <p:nvPr/>
-        </p:nvPicPr>
-        <p:blipFill>
-          <a:blip r:embed="rId2" cstate="print">
-            <a:extLst>
-              <a:ext uri="{28A0092B-C50C-407E-A947-70E740481C1C}">
-                <a14:useLocalDpi xmlns:a14="http://schemas.microsoft.com/office/drawing/2010/main" val="0"/>
-              </a:ext>
-            </a:extLst>
-          </a:blip>
-          <a:stretch>
-            <a:fillRect/>
-          </a:stretch>
-        </p:blipFill>
-        <p:spPr>
-          <a:xfrm>
-            <a:off x="10588819" y="180259"/>
-            <a:ext cx="1477497" cy="990055"/>
-          </a:xfrm>
-          <a:prstGeom prst="rect">
-            <a:avLst/>
-          </a:prstGeom>
-        </p:spPr>
-      </p:pic>
-      <p:sp>
-        <p:nvSpPr>
-          <p:cNvPr id="5" name="Rectangle 4"/>
-          <p:cNvSpPr/>
-          <p:nvPr/>
-        </p:nvSpPr>
-        <p:spPr>
-          <a:xfrm>
-            <a:off x="7551740" y="5760571"/>
-            <a:ext cx="5827907" cy="1710096"/>
-          </a:xfrm>
-          <a:prstGeom prst="rect">
-            <a:avLst/>
-          </a:prstGeom>
-          <a:noFill/>
-          <a:ln w="12700" cap="flat" cmpd="sng" algn="ctr">
-            <a:noFill/>
-            <a:prstDash val="solid"/>
-            <a:miter lim="800000"/>
-          </a:ln>
-          <a:effectLst/>
-          <a:extLst>
-            <a:ext uri="{909E8E84-426E-40DD-AFC4-6F175D3DCCD1}">
-              <a14:hiddenFill xmlns:a14="http://schemas.microsoft.com/office/drawing/2010/main">
-                <a:solidFill>
-                  <a:schemeClr val="accent1"/>
-                </a:solidFill>
-              </a14:hiddenFill>
-            </a:ext>
-            <a:ext uri="{91240B29-F687-4F45-9708-019B960494DF}">
-              <a14:hiddenLine xmlns:a14="http://schemas.microsoft.com/office/drawing/2010/main" w="12700" cap="flat" cmpd="sng" algn="ctr">
-                <a:solidFill>
-                  <a:schemeClr val="accent1">
-                    <a:shade val="50000"/>
-                  </a:schemeClr>
-                </a:solidFill>
-                <a:prstDash val="solid"/>
-                <a:miter lim="800000"/>
-              </a14:hiddenLine>
-            </a:ext>
-          </a:extLst>
-        </p:spPr>
-        <p:style>
-          <a:lnRef idx="2">
-            <a:schemeClr val="accent1">
-              <a:shade val="50000"/>
-            </a:schemeClr>
-          </a:lnRef>
-          <a:fillRef idx="1">
-            <a:schemeClr val="accent1"/>
-          </a:fillRef>
-          <a:effectRef idx="0">
-            <a:schemeClr val="accent1"/>
-          </a:effectRef>
-          <a:fontRef idx="minor">
-            <a:schemeClr val="lt1"/>
-          </a:fontRef>
-        </p:style>
-        <p:txBody>
-          <a:bodyPr lIns="103239" tIns="45884" rIns="103239" bIns="45884" rtlCol="0" anchor="t"/>
-          <a:lstStyle/>
-          <a:p>
-            <a:pPr algn="ctr"/>
-            <a:endParaRPr lang="en-US" sz="3300" b="1" dirty="0">
-              <a:solidFill>
-                <a:srgbClr val="FF0000"/>
-              </a:solidFill>
-              <a:latin typeface="Calibri" panose="020F0502020204030204" pitchFamily="34" charset="0"/>
-            </a:endParaRPr>
-          </a:p>
-        </p:txBody>
-      </p:sp>
-      <p:sp>
-        <p:nvSpPr>
-          <p:cNvPr id="3" name="Rectangle 2"/>
-          <p:cNvSpPr/>
-          <p:nvPr/>
-        </p:nvSpPr>
-        <p:spPr>
-          <a:xfrm>
-            <a:off x="611709" y="360090"/>
-            <a:ext cx="7272808" cy="6524863"/>
-          </a:xfrm>
-          <a:prstGeom prst="rect">
-            <a:avLst/>
-          </a:prstGeom>
-        </p:spPr>
-        <p:style>
-          <a:lnRef idx="2">
-            <a:schemeClr val="dk1"/>
-          </a:lnRef>
-          <a:fillRef idx="1">
-            <a:schemeClr val="lt1"/>
-          </a:fillRef>
-          <a:effectRef idx="0">
-            <a:schemeClr val="dk1"/>
-          </a:effectRef>
-          <a:fontRef idx="minor">
-            <a:schemeClr val="dk1"/>
-          </a:fontRef>
-        </p:style>
-        <p:txBody>
-          <a:bodyPr wrap="square">
-            <a:spAutoFit/>
-          </a:bodyPr>
-          <a:lstStyle/>
-          <a:p>
-            <a:r>
-              <a:rPr lang="en-IN" dirty="0"/>
-              <a:t>#include &lt;</a:t>
-            </a:r>
-            <a:r>
-              <a:rPr lang="en-IN" dirty="0" err="1"/>
-              <a:t>iostream</a:t>
-            </a:r>
-            <a:r>
-              <a:rPr lang="en-IN" dirty="0"/>
-              <a:t>&gt;</a:t>
-            </a:r>
-          </a:p>
-          <a:p>
-            <a:r>
-              <a:rPr lang="en-IN" dirty="0"/>
-              <a:t>using namespace </a:t>
-            </a:r>
-            <a:r>
-              <a:rPr lang="en-IN" dirty="0" err="1"/>
-              <a:t>std</a:t>
-            </a:r>
-            <a:r>
-              <a:rPr lang="en-IN" dirty="0"/>
-              <a:t>;</a:t>
-            </a:r>
-          </a:p>
-          <a:p>
-            <a:endParaRPr lang="en-IN" dirty="0"/>
-          </a:p>
-          <a:p>
-            <a:r>
-              <a:rPr lang="en-IN" dirty="0"/>
-              <a:t>class Student {</a:t>
-            </a:r>
-          </a:p>
-          <a:p>
-            <a:r>
-              <a:rPr lang="en-IN" dirty="0"/>
-              <a:t>  public:</a:t>
-            </a:r>
-          </a:p>
-          <a:p>
-            <a:r>
-              <a:rPr lang="en-IN" dirty="0"/>
-              <a:t>    Student() {</a:t>
-            </a:r>
-          </a:p>
-          <a:p>
-            <a:r>
-              <a:rPr lang="en-IN" dirty="0"/>
-              <a:t>      </a:t>
-            </a:r>
-            <a:r>
-              <a:rPr lang="en-IN" dirty="0" err="1"/>
-              <a:t>cout</a:t>
-            </a:r>
-            <a:r>
-              <a:rPr lang="en-IN" dirty="0"/>
-              <a:t> &lt;&lt; "Constructor called" &lt;&lt; </a:t>
-            </a:r>
-            <a:r>
-              <a:rPr lang="en-IN" dirty="0" err="1"/>
-              <a:t>endl</a:t>
-            </a:r>
-            <a:r>
-              <a:rPr lang="en-IN" dirty="0"/>
-              <a:t>;</a:t>
-            </a:r>
-          </a:p>
-          <a:p>
-            <a:r>
-              <a:rPr lang="en-IN" dirty="0"/>
-              <a:t>    }</a:t>
-            </a:r>
-          </a:p>
-          <a:p>
-            <a:endParaRPr lang="en-IN" dirty="0"/>
-          </a:p>
-          <a:p>
-            <a:r>
-              <a:rPr lang="en-IN" b="1" dirty="0">
-                <a:solidFill>
-                  <a:srgbClr val="FF0000"/>
-                </a:solidFill>
-              </a:rPr>
-              <a:t>    ~Student() {</a:t>
-            </a:r>
-          </a:p>
-          <a:p>
-            <a:r>
-              <a:rPr lang="en-IN" b="1" dirty="0">
-                <a:solidFill>
-                  <a:srgbClr val="FF0000"/>
-                </a:solidFill>
-              </a:rPr>
-              <a:t>      </a:t>
-            </a:r>
-            <a:r>
-              <a:rPr lang="en-IN" b="1" dirty="0" err="1">
-                <a:solidFill>
-                  <a:srgbClr val="FF0000"/>
-                </a:solidFill>
-              </a:rPr>
-              <a:t>cout</a:t>
-            </a:r>
-            <a:r>
-              <a:rPr lang="en-IN" b="1" dirty="0">
-                <a:solidFill>
-                  <a:srgbClr val="FF0000"/>
-                </a:solidFill>
-              </a:rPr>
-              <a:t> &lt;&lt; "Destructor called" &lt;&lt; </a:t>
-            </a:r>
-            <a:r>
-              <a:rPr lang="en-IN" b="1" dirty="0" err="1">
-                <a:solidFill>
-                  <a:srgbClr val="FF0000"/>
-                </a:solidFill>
-              </a:rPr>
-              <a:t>endl</a:t>
-            </a:r>
-            <a:r>
-              <a:rPr lang="en-IN" b="1" dirty="0">
-                <a:solidFill>
-                  <a:srgbClr val="FF0000"/>
-                </a:solidFill>
-              </a:rPr>
-              <a:t>;</a:t>
-            </a:r>
-          </a:p>
-          <a:p>
-            <a:r>
-              <a:rPr lang="en-IN" b="1" dirty="0">
-                <a:solidFill>
-                  <a:srgbClr val="FF0000"/>
-                </a:solidFill>
-              </a:rPr>
-              <a:t>    </a:t>
-            </a:r>
-            <a:r>
-              <a:rPr lang="en-IN" b="1" dirty="0" smtClean="0">
-                <a:solidFill>
-                  <a:srgbClr val="FF0000"/>
-                </a:solidFill>
-              </a:rPr>
-              <a:t> }</a:t>
-            </a:r>
-            <a:endParaRPr lang="en-IN" b="1" dirty="0">
-              <a:solidFill>
-                <a:srgbClr val="FF0000"/>
-              </a:solidFill>
-            </a:endParaRPr>
-          </a:p>
-          <a:p>
-            <a:r>
-              <a:rPr lang="en-IN" dirty="0"/>
-              <a:t>};</a:t>
-            </a:r>
-          </a:p>
-          <a:p>
-            <a:endParaRPr lang="en-IN" dirty="0"/>
-          </a:p>
-          <a:p>
-            <a:r>
-              <a:rPr lang="en-IN" dirty="0" err="1"/>
-              <a:t>int</a:t>
-            </a:r>
-            <a:r>
-              <a:rPr lang="en-IN" dirty="0"/>
-              <a:t> main() {</a:t>
-            </a:r>
-          </a:p>
-          <a:p>
-            <a:r>
-              <a:rPr lang="en-IN" dirty="0"/>
-              <a:t>  Student s1;  // Constructor runs here</a:t>
-            </a:r>
-          </a:p>
-          <a:p>
-            <a:r>
-              <a:rPr lang="en-IN" dirty="0"/>
-              <a:t>  // Destructor will run automatically at the end of main</a:t>
-            </a:r>
-          </a:p>
-          <a:p>
-            <a:r>
-              <a:rPr lang="en-IN" dirty="0"/>
-              <a:t>  return 0;</a:t>
-            </a:r>
-          </a:p>
-          <a:p>
-            <a:r>
-              <a:rPr lang="en-IN" dirty="0"/>
-              <a:t>}</a:t>
-            </a:r>
-            <a:endParaRPr lang="en-IN" dirty="0"/>
-          </a:p>
-        </p:txBody>
-      </p:sp>
-    </p:spTree>
-    <p:extLst>
-      <p:ext uri="{BB962C8B-B14F-4D97-AF65-F5344CB8AC3E}">
-        <p14:creationId xmlns:p14="http://schemas.microsoft.com/office/powerpoint/2010/main" val="2301927784"/>
-      </p:ext>
-    </p:extLst>
-  </p:cSld>
-  <p:clrMapOvr>
-    <a:masterClrMapping/>
-  </p:clrMapOvr>
-  <p:timing>
-    <p:tnLst>
-      <p:par>
-        <p:cTn id="1" dur="indefinite" restart="never" nodeType="tmRoot"/>
-      </p:par>
-    </p:tnLst>
-  </p:timing>
-</p:sld>
-</file>
-
-<file path=ppt/slides/slide13.xml><?xml version="1.0" encoding="utf-8"?>
-<p:sld xmlns:a="http://schemas.openxmlformats.org/drawingml/2006/main" xmlns:r="http://schemas.openxmlformats.org/officeDocument/2006/relationships" xmlns:p="http://schemas.openxmlformats.org/presentationml/2006/main">
-  <p:cSld>
-    <p:spTree>
-      <p:nvGrpSpPr>
-        <p:cNvPr id="1" name=""/>
-        <p:cNvGrpSpPr/>
-        <p:nvPr/>
-      </p:nvGrpSpPr>
-      <p:grpSpPr>
-        <a:xfrm>
-          <a:off x="0" y="0"/>
-          <a:ext cx="0" cy="0"/>
-          <a:chOff x="0" y="0"/>
-          <a:chExt cx="0" cy="0"/>
-        </a:xfrm>
-      </p:grpSpPr>
-      <p:pic>
-        <p:nvPicPr>
-          <p:cNvPr id="4" name="Picture 3"/>
-          <p:cNvPicPr>
-            <a:picLocks/>
-          </p:cNvPicPr>
-          <p:nvPr/>
-        </p:nvPicPr>
-        <p:blipFill>
-          <a:blip r:embed="rId2" cstate="print">
-            <a:extLst>
-              <a:ext uri="{28A0092B-C50C-407E-A947-70E740481C1C}">
-                <a14:useLocalDpi xmlns:a14="http://schemas.microsoft.com/office/drawing/2010/main" val="0"/>
-              </a:ext>
-            </a:extLst>
-          </a:blip>
-          <a:stretch>
-            <a:fillRect/>
-          </a:stretch>
-        </p:blipFill>
-        <p:spPr>
-          <a:xfrm>
-            <a:off x="10588819" y="180259"/>
-            <a:ext cx="1477497" cy="990055"/>
-          </a:xfrm>
-          <a:prstGeom prst="rect">
-            <a:avLst/>
-          </a:prstGeom>
-        </p:spPr>
-      </p:pic>
-      <p:sp>
-        <p:nvSpPr>
-          <p:cNvPr id="5" name="Rectangle 4"/>
-          <p:cNvSpPr/>
-          <p:nvPr/>
-        </p:nvSpPr>
-        <p:spPr>
-          <a:xfrm>
-            <a:off x="7551740" y="5760571"/>
-            <a:ext cx="5827907" cy="1710096"/>
-          </a:xfrm>
-          <a:prstGeom prst="rect">
-            <a:avLst/>
-          </a:prstGeom>
-          <a:noFill/>
-          <a:ln w="12700" cap="flat" cmpd="sng" algn="ctr">
-            <a:noFill/>
-            <a:prstDash val="solid"/>
-            <a:miter lim="800000"/>
-          </a:ln>
-          <a:effectLst/>
-          <a:extLst>
-            <a:ext uri="{909E8E84-426E-40DD-AFC4-6F175D3DCCD1}">
-              <a14:hiddenFill xmlns:a14="http://schemas.microsoft.com/office/drawing/2010/main">
-                <a:solidFill>
-                  <a:schemeClr val="accent1"/>
-                </a:solidFill>
-              </a14:hiddenFill>
-            </a:ext>
-            <a:ext uri="{91240B29-F687-4F45-9708-019B960494DF}">
-              <a14:hiddenLine xmlns:a14="http://schemas.microsoft.com/office/drawing/2010/main" w="12700" cap="flat" cmpd="sng" algn="ctr">
-                <a:solidFill>
-                  <a:schemeClr val="accent1">
-                    <a:shade val="50000"/>
-                  </a:schemeClr>
-                </a:solidFill>
-                <a:prstDash val="solid"/>
-                <a:miter lim="800000"/>
-              </a14:hiddenLine>
-            </a:ext>
-          </a:extLst>
-        </p:spPr>
-        <p:style>
-          <a:lnRef idx="2">
-            <a:schemeClr val="accent1">
-              <a:shade val="50000"/>
-            </a:schemeClr>
-          </a:lnRef>
-          <a:fillRef idx="1">
-            <a:schemeClr val="accent1"/>
-          </a:fillRef>
-          <a:effectRef idx="0">
-            <a:schemeClr val="accent1"/>
-          </a:effectRef>
-          <a:fontRef idx="minor">
-            <a:schemeClr val="lt1"/>
-          </a:fontRef>
-        </p:style>
-        <p:txBody>
-          <a:bodyPr lIns="103239" tIns="45884" rIns="103239" bIns="45884" rtlCol="0" anchor="t"/>
-          <a:lstStyle/>
-          <a:p>
-            <a:pPr algn="ctr"/>
-            <a:endParaRPr lang="en-US" sz="3300" b="1" dirty="0">
-              <a:solidFill>
-                <a:srgbClr val="FF0000"/>
-              </a:solidFill>
-              <a:latin typeface="Calibri" panose="020F0502020204030204" pitchFamily="34" charset="0"/>
-            </a:endParaRPr>
-          </a:p>
-        </p:txBody>
-      </p:sp>
-      <p:sp>
-        <p:nvSpPr>
-          <p:cNvPr id="3" name="Rectangle 2"/>
-          <p:cNvSpPr/>
-          <p:nvPr/>
-        </p:nvSpPr>
-        <p:spPr>
-          <a:xfrm>
-            <a:off x="611709" y="576114"/>
-            <a:ext cx="9721080" cy="4832092"/>
-          </a:xfrm>
-          <a:prstGeom prst="rect">
-            <a:avLst/>
-          </a:prstGeom>
-          <a:ln>
-            <a:noFill/>
-          </a:ln>
-        </p:spPr>
-        <p:style>
-          <a:lnRef idx="2">
-            <a:schemeClr val="dk1"/>
-          </a:lnRef>
-          <a:fillRef idx="1">
-            <a:schemeClr val="lt1"/>
-          </a:fillRef>
-          <a:effectRef idx="0">
-            <a:schemeClr val="dk1"/>
-          </a:effectRef>
-          <a:fontRef idx="minor">
-            <a:schemeClr val="dk1"/>
-          </a:fontRef>
-        </p:style>
-        <p:txBody>
-          <a:bodyPr wrap="square">
-            <a:spAutoFit/>
-          </a:bodyPr>
-          <a:lstStyle/>
-          <a:p>
-            <a:r>
-              <a:rPr lang="en-US" b="1" dirty="0">
-                <a:solidFill>
-                  <a:srgbClr val="FF0000"/>
-                </a:solidFill>
-              </a:rPr>
-              <a:t>Static Members in C++</a:t>
-            </a:r>
-          </a:p>
-          <a:p>
-            <a:endParaRPr lang="en-US" b="1" dirty="0" smtClean="0"/>
-          </a:p>
-          <a:p>
-            <a:r>
-              <a:rPr lang="en-US" b="1" dirty="0" smtClean="0"/>
-              <a:t>Static </a:t>
-            </a:r>
-            <a:r>
-              <a:rPr lang="en-US" b="1" dirty="0"/>
-              <a:t>members</a:t>
-            </a:r>
-            <a:r>
-              <a:rPr lang="en-US" dirty="0"/>
-              <a:t> belong to the </a:t>
-            </a:r>
-            <a:r>
-              <a:rPr lang="en-US" b="1" dirty="0"/>
-              <a:t>class</a:t>
-            </a:r>
-            <a:r>
-              <a:rPr lang="en-US" dirty="0"/>
-              <a:t> rather than any one object</a:t>
-            </a:r>
-            <a:r>
-              <a:rPr lang="en-US" dirty="0" smtClean="0"/>
-              <a:t>.</a:t>
-            </a:r>
-          </a:p>
-          <a:p>
-            <a:endParaRPr lang="en-US" dirty="0" smtClean="0"/>
-          </a:p>
-          <a:p>
-            <a:endParaRPr lang="en-US" dirty="0"/>
-          </a:p>
-          <a:p>
-            <a:r>
-              <a:rPr lang="en-US" b="1" dirty="0" smtClean="0"/>
-              <a:t>Static </a:t>
-            </a:r>
-            <a:r>
-              <a:rPr lang="en-US" b="1" dirty="0"/>
-              <a:t>Data Members:</a:t>
-            </a:r>
-          </a:p>
-          <a:p>
-            <a:pPr marL="898398" lvl="1" indent="-342900">
-              <a:buFont typeface="Arial" pitchFamily="34" charset="0"/>
-              <a:buChar char="•"/>
-            </a:pPr>
-            <a:r>
-              <a:rPr lang="en-US" dirty="0"/>
-              <a:t>Only </a:t>
-            </a:r>
-            <a:r>
-              <a:rPr lang="en-US" b="1" dirty="0"/>
-              <a:t>one copy</a:t>
-            </a:r>
-            <a:r>
-              <a:rPr lang="en-US" dirty="0"/>
-              <a:t> exists, shared by all objects.</a:t>
-            </a:r>
-          </a:p>
-          <a:p>
-            <a:pPr marL="898398" lvl="1" indent="-342900">
-              <a:buFont typeface="Arial" pitchFamily="34" charset="0"/>
-              <a:buChar char="•"/>
-            </a:pPr>
-            <a:r>
-              <a:rPr lang="en-US" dirty="0"/>
-              <a:t>Declared using the static keyword.</a:t>
-            </a:r>
-          </a:p>
-          <a:p>
-            <a:pPr marL="898398" lvl="1" indent="-342900">
-              <a:buFont typeface="Arial" pitchFamily="34" charset="0"/>
-              <a:buChar char="•"/>
-            </a:pPr>
-            <a:r>
-              <a:rPr lang="en-US" dirty="0"/>
-              <a:t>Must be </a:t>
-            </a:r>
-            <a:r>
-              <a:rPr lang="en-US" b="1" dirty="0"/>
-              <a:t>defined outside the class</a:t>
-            </a:r>
-            <a:r>
-              <a:rPr lang="en-US" dirty="0" smtClean="0"/>
-              <a:t>.</a:t>
-            </a:r>
-          </a:p>
-          <a:p>
-            <a:pPr marL="898398" lvl="1" indent="-342900">
-              <a:buFont typeface="Arial" pitchFamily="34" charset="0"/>
-              <a:buChar char="•"/>
-            </a:pPr>
-            <a:endParaRPr lang="en-US" dirty="0" smtClean="0"/>
-          </a:p>
-          <a:p>
-            <a:pPr marL="898398" lvl="1" indent="-342900">
-              <a:buFont typeface="Arial" pitchFamily="34" charset="0"/>
-              <a:buChar char="•"/>
-            </a:pPr>
-            <a:endParaRPr lang="en-US" dirty="0"/>
-          </a:p>
-          <a:p>
-            <a:r>
-              <a:rPr lang="en-US" b="1" dirty="0" smtClean="0"/>
-              <a:t>Static </a:t>
-            </a:r>
-            <a:r>
-              <a:rPr lang="en-US" b="1" dirty="0"/>
-              <a:t>Member Functions:</a:t>
-            </a:r>
-          </a:p>
-          <a:p>
-            <a:pPr marL="898398" lvl="1" indent="-342900">
-              <a:buFont typeface="Arial" pitchFamily="34" charset="0"/>
-              <a:buChar char="•"/>
-            </a:pPr>
-            <a:r>
-              <a:rPr lang="en-US" dirty="0"/>
-              <a:t>Can </a:t>
-            </a:r>
-            <a:r>
-              <a:rPr lang="en-US" b="1" dirty="0"/>
-              <a:t>access only static data members</a:t>
-            </a:r>
-            <a:r>
-              <a:rPr lang="en-US" dirty="0"/>
-              <a:t>.</a:t>
-            </a:r>
-          </a:p>
-          <a:p>
-            <a:pPr marL="898398" lvl="1" indent="-342900">
-              <a:buFont typeface="Arial" pitchFamily="34" charset="0"/>
-              <a:buChar char="•"/>
-            </a:pPr>
-            <a:r>
-              <a:rPr lang="en-US" dirty="0"/>
-              <a:t>Can be called using the class name directly.</a:t>
-            </a:r>
-          </a:p>
-        </p:txBody>
-      </p:sp>
-    </p:spTree>
-    <p:extLst>
-      <p:ext uri="{BB962C8B-B14F-4D97-AF65-F5344CB8AC3E}">
-        <p14:creationId xmlns:p14="http://schemas.microsoft.com/office/powerpoint/2010/main" val="3927417028"/>
-      </p:ext>
-    </p:extLst>
-  </p:cSld>
-  <p:clrMapOvr>
-    <a:masterClrMapping/>
-  </p:clrMapOvr>
-  <p:timing>
-    <p:tnLst>
-      <p:par>
-        <p:cTn id="1" dur="indefinite" restart="never" nodeType="tmRoot"/>
-      </p:par>
-    </p:tnLst>
-  </p:timing>
-</p:sld>
-</file>
-
-<file path=ppt/slides/slide14.xml><?xml version="1.0" encoding="utf-8"?>
-<p:sld xmlns:a="http://schemas.openxmlformats.org/drawingml/2006/main" xmlns:r="http://schemas.openxmlformats.org/officeDocument/2006/relationships" xmlns:p="http://schemas.openxmlformats.org/presentationml/2006/main">
-  <p:cSld>
-    <p:spTree>
-      <p:nvGrpSpPr>
-        <p:cNvPr id="1" name=""/>
-        <p:cNvGrpSpPr/>
-        <p:nvPr/>
-      </p:nvGrpSpPr>
-      <p:grpSpPr>
-        <a:xfrm>
-          <a:off x="0" y="0"/>
-          <a:ext cx="0" cy="0"/>
-          <a:chOff x="0" y="0"/>
-          <a:chExt cx="0" cy="0"/>
-        </a:xfrm>
-      </p:grpSpPr>
-      <p:pic>
-        <p:nvPicPr>
-          <p:cNvPr id="4" name="Picture 3"/>
-          <p:cNvPicPr>
-            <a:picLocks/>
-          </p:cNvPicPr>
-          <p:nvPr/>
-        </p:nvPicPr>
-        <p:blipFill>
-          <a:blip r:embed="rId2" cstate="print">
-            <a:extLst>
-              <a:ext uri="{28A0092B-C50C-407E-A947-70E740481C1C}">
-                <a14:useLocalDpi xmlns:a14="http://schemas.microsoft.com/office/drawing/2010/main" val="0"/>
-              </a:ext>
-            </a:extLst>
-          </a:blip>
-          <a:stretch>
-            <a:fillRect/>
-          </a:stretch>
-        </p:blipFill>
-        <p:spPr>
-          <a:xfrm>
-            <a:off x="10588819" y="180259"/>
-            <a:ext cx="1477497" cy="990055"/>
-          </a:xfrm>
-          <a:prstGeom prst="rect">
-            <a:avLst/>
-          </a:prstGeom>
-        </p:spPr>
-      </p:pic>
-      <p:sp>
-        <p:nvSpPr>
-          <p:cNvPr id="5" name="Rectangle 4"/>
-          <p:cNvSpPr/>
-          <p:nvPr/>
-        </p:nvSpPr>
-        <p:spPr>
-          <a:xfrm>
-            <a:off x="7551740" y="5760571"/>
-            <a:ext cx="5827907" cy="1710096"/>
-          </a:xfrm>
-          <a:prstGeom prst="rect">
-            <a:avLst/>
-          </a:prstGeom>
-          <a:noFill/>
-          <a:ln w="12700" cap="flat" cmpd="sng" algn="ctr">
-            <a:noFill/>
-            <a:prstDash val="solid"/>
-            <a:miter lim="800000"/>
-          </a:ln>
-          <a:effectLst/>
-          <a:extLst>
-            <a:ext uri="{909E8E84-426E-40DD-AFC4-6F175D3DCCD1}">
-              <a14:hiddenFill xmlns:a14="http://schemas.microsoft.com/office/drawing/2010/main">
-                <a:solidFill>
-                  <a:schemeClr val="accent1"/>
-                </a:solidFill>
-              </a14:hiddenFill>
-            </a:ext>
-            <a:ext uri="{91240B29-F687-4F45-9708-019B960494DF}">
-              <a14:hiddenLine xmlns:a14="http://schemas.microsoft.com/office/drawing/2010/main" w="12700" cap="flat" cmpd="sng" algn="ctr">
-                <a:solidFill>
-                  <a:schemeClr val="accent1">
-                    <a:shade val="50000"/>
-                  </a:schemeClr>
-                </a:solidFill>
-                <a:prstDash val="solid"/>
-                <a:miter lim="800000"/>
-              </a14:hiddenLine>
-            </a:ext>
-          </a:extLst>
-        </p:spPr>
-        <p:style>
-          <a:lnRef idx="2">
-            <a:schemeClr val="accent1">
-              <a:shade val="50000"/>
-            </a:schemeClr>
-          </a:lnRef>
-          <a:fillRef idx="1">
-            <a:schemeClr val="accent1"/>
-          </a:fillRef>
-          <a:effectRef idx="0">
-            <a:schemeClr val="accent1"/>
-          </a:effectRef>
-          <a:fontRef idx="minor">
-            <a:schemeClr val="lt1"/>
-          </a:fontRef>
-        </p:style>
-        <p:txBody>
-          <a:bodyPr lIns="103239" tIns="45884" rIns="103239" bIns="45884" rtlCol="0" anchor="t"/>
-          <a:lstStyle/>
-          <a:p>
-            <a:pPr algn="ctr"/>
-            <a:endParaRPr lang="en-US" sz="3300" b="1" dirty="0">
-              <a:solidFill>
-                <a:srgbClr val="FF0000"/>
-              </a:solidFill>
-              <a:latin typeface="Calibri" panose="020F0502020204030204" pitchFamily="34" charset="0"/>
-            </a:endParaRPr>
-          </a:p>
-        </p:txBody>
-      </p:sp>
-      <p:sp>
-        <p:nvSpPr>
-          <p:cNvPr id="3" name="Rectangle 2"/>
-          <p:cNvSpPr/>
-          <p:nvPr/>
-        </p:nvSpPr>
-        <p:spPr>
-          <a:xfrm>
-            <a:off x="611709" y="864146"/>
-            <a:ext cx="6048672" cy="5509200"/>
-          </a:xfrm>
-          <a:prstGeom prst="rect">
-            <a:avLst/>
-          </a:prstGeom>
-          <a:ln/>
-        </p:spPr>
-        <p:style>
-          <a:lnRef idx="2">
-            <a:schemeClr val="dk1"/>
-          </a:lnRef>
-          <a:fillRef idx="1">
-            <a:schemeClr val="lt1"/>
-          </a:fillRef>
-          <a:effectRef idx="0">
-            <a:schemeClr val="dk1"/>
-          </a:effectRef>
-          <a:fontRef idx="minor">
-            <a:schemeClr val="dk1"/>
-          </a:fontRef>
-        </p:style>
-        <p:txBody>
-          <a:bodyPr wrap="square">
-            <a:spAutoFit/>
-          </a:bodyPr>
-          <a:lstStyle/>
-          <a:p>
-            <a:r>
-              <a:rPr lang="en-US" b="1" dirty="0">
-                <a:solidFill>
-                  <a:srgbClr val="FF0000"/>
-                </a:solidFill>
-              </a:rPr>
-              <a:t>#include &lt;</a:t>
-            </a:r>
-            <a:r>
-              <a:rPr lang="en-US" b="1" dirty="0" err="1">
-                <a:solidFill>
-                  <a:srgbClr val="FF0000"/>
-                </a:solidFill>
-              </a:rPr>
-              <a:t>iostream</a:t>
-            </a:r>
-            <a:r>
-              <a:rPr lang="en-US" b="1" dirty="0">
-                <a:solidFill>
-                  <a:srgbClr val="FF0000"/>
-                </a:solidFill>
-              </a:rPr>
-              <a:t>&gt;</a:t>
-            </a:r>
-          </a:p>
-          <a:p>
-            <a:r>
-              <a:rPr lang="en-US" b="1" dirty="0">
-                <a:solidFill>
-                  <a:srgbClr val="FF0000"/>
-                </a:solidFill>
-              </a:rPr>
-              <a:t>using namespace </a:t>
-            </a:r>
-            <a:r>
-              <a:rPr lang="en-US" b="1" dirty="0" err="1">
-                <a:solidFill>
-                  <a:srgbClr val="FF0000"/>
-                </a:solidFill>
-              </a:rPr>
-              <a:t>std</a:t>
-            </a:r>
-            <a:r>
-              <a:rPr lang="en-US" b="1" dirty="0">
-                <a:solidFill>
-                  <a:srgbClr val="FF0000"/>
-                </a:solidFill>
-              </a:rPr>
-              <a:t>;</a:t>
-            </a:r>
-          </a:p>
-          <a:p>
-            <a:endParaRPr lang="en-US" b="1" dirty="0">
-              <a:solidFill>
-                <a:srgbClr val="FF0000"/>
-              </a:solidFill>
-            </a:endParaRPr>
-          </a:p>
-          <a:p>
-            <a:r>
-              <a:rPr lang="en-US" b="1" dirty="0">
-                <a:solidFill>
-                  <a:srgbClr val="FF0000"/>
-                </a:solidFill>
-              </a:rPr>
-              <a:t>class Student {</a:t>
-            </a:r>
-          </a:p>
-          <a:p>
-            <a:r>
-              <a:rPr lang="en-US" b="1" dirty="0">
-                <a:solidFill>
-                  <a:srgbClr val="FF0000"/>
-                </a:solidFill>
-              </a:rPr>
-              <a:t>  public:</a:t>
-            </a:r>
-          </a:p>
-          <a:p>
-            <a:r>
-              <a:rPr lang="en-US" b="1" dirty="0">
-                <a:solidFill>
-                  <a:srgbClr val="FF0000"/>
-                </a:solidFill>
-              </a:rPr>
-              <a:t>    </a:t>
-            </a:r>
-            <a:r>
-              <a:rPr lang="en-US" b="1" dirty="0">
-                <a:solidFill>
-                  <a:srgbClr val="7030A0"/>
-                </a:solidFill>
-              </a:rPr>
-              <a:t>static</a:t>
-            </a:r>
-            <a:r>
-              <a:rPr lang="en-US" b="1" dirty="0">
-                <a:solidFill>
-                  <a:srgbClr val="FF0000"/>
-                </a:solidFill>
-              </a:rPr>
-              <a:t> </a:t>
-            </a:r>
-            <a:r>
-              <a:rPr lang="en-US" b="1" dirty="0" err="1">
-                <a:solidFill>
-                  <a:srgbClr val="FF0000"/>
-                </a:solidFill>
-              </a:rPr>
-              <a:t>int</a:t>
-            </a:r>
-            <a:r>
-              <a:rPr lang="en-US" b="1" dirty="0">
-                <a:solidFill>
-                  <a:srgbClr val="FF0000"/>
-                </a:solidFill>
-              </a:rPr>
-              <a:t> count;</a:t>
-            </a:r>
-          </a:p>
-          <a:p>
-            <a:endParaRPr lang="en-US" b="1" dirty="0">
-              <a:solidFill>
-                <a:srgbClr val="FF0000"/>
-              </a:solidFill>
-            </a:endParaRPr>
-          </a:p>
-          <a:p>
-            <a:r>
-              <a:rPr lang="en-US" b="1" dirty="0">
-                <a:solidFill>
-                  <a:srgbClr val="FF0000"/>
-                </a:solidFill>
-              </a:rPr>
-              <a:t>    Student() {</a:t>
-            </a:r>
-          </a:p>
-          <a:p>
-            <a:r>
-              <a:rPr lang="en-US" b="1" dirty="0">
-                <a:solidFill>
-                  <a:srgbClr val="FF0000"/>
-                </a:solidFill>
-              </a:rPr>
-              <a:t>      count++;</a:t>
-            </a:r>
-          </a:p>
-          <a:p>
-            <a:r>
-              <a:rPr lang="en-US" b="1" dirty="0">
-                <a:solidFill>
-                  <a:srgbClr val="FF0000"/>
-                </a:solidFill>
-              </a:rPr>
-              <a:t>    }</a:t>
-            </a:r>
-          </a:p>
-          <a:p>
-            <a:endParaRPr lang="en-US" b="1" dirty="0">
-              <a:solidFill>
-                <a:srgbClr val="FF0000"/>
-              </a:solidFill>
-            </a:endParaRPr>
-          </a:p>
-          <a:p>
-            <a:r>
-              <a:rPr lang="en-US" b="1" dirty="0">
-                <a:solidFill>
-                  <a:srgbClr val="FF0000"/>
-                </a:solidFill>
-              </a:rPr>
-              <a:t>    </a:t>
-            </a:r>
-            <a:r>
-              <a:rPr lang="en-US" b="1" dirty="0">
-                <a:solidFill>
-                  <a:srgbClr val="7030A0"/>
-                </a:solidFill>
-              </a:rPr>
-              <a:t>static</a:t>
-            </a:r>
-            <a:r>
-              <a:rPr lang="en-US" b="1" dirty="0">
-                <a:solidFill>
-                  <a:srgbClr val="FF0000"/>
-                </a:solidFill>
-              </a:rPr>
-              <a:t> void </a:t>
-            </a:r>
-            <a:r>
-              <a:rPr lang="en-US" b="1" dirty="0" err="1">
-                <a:solidFill>
-                  <a:srgbClr val="FF0000"/>
-                </a:solidFill>
-              </a:rPr>
-              <a:t>showCount</a:t>
-            </a:r>
-            <a:r>
-              <a:rPr lang="en-US" b="1" dirty="0">
-                <a:solidFill>
-                  <a:srgbClr val="FF0000"/>
-                </a:solidFill>
-              </a:rPr>
-              <a:t>() {</a:t>
-            </a:r>
-          </a:p>
-          <a:p>
-            <a:r>
-              <a:rPr lang="en-US" b="1" dirty="0">
-                <a:solidFill>
-                  <a:srgbClr val="FF0000"/>
-                </a:solidFill>
-              </a:rPr>
-              <a:t>      </a:t>
-            </a:r>
-            <a:r>
-              <a:rPr lang="en-US" b="1" dirty="0" err="1">
-                <a:solidFill>
-                  <a:srgbClr val="FF0000"/>
-                </a:solidFill>
-              </a:rPr>
-              <a:t>cout</a:t>
-            </a:r>
-            <a:r>
-              <a:rPr lang="en-US" b="1" dirty="0">
-                <a:solidFill>
-                  <a:srgbClr val="FF0000"/>
-                </a:solidFill>
-              </a:rPr>
-              <a:t> &lt;&lt; "Total Students: " &lt;&lt; count &lt;&lt; </a:t>
-            </a:r>
-            <a:r>
-              <a:rPr lang="en-US" b="1" dirty="0" err="1">
-                <a:solidFill>
-                  <a:srgbClr val="FF0000"/>
-                </a:solidFill>
-              </a:rPr>
-              <a:t>endl</a:t>
-            </a:r>
-            <a:r>
-              <a:rPr lang="en-US" b="1" dirty="0">
-                <a:solidFill>
-                  <a:srgbClr val="FF0000"/>
-                </a:solidFill>
-              </a:rPr>
-              <a:t>;</a:t>
-            </a:r>
-          </a:p>
-          <a:p>
-            <a:r>
-              <a:rPr lang="en-US" b="1" dirty="0">
-                <a:solidFill>
-                  <a:srgbClr val="FF0000"/>
-                </a:solidFill>
-              </a:rPr>
-              <a:t>    }</a:t>
-            </a:r>
-          </a:p>
-          <a:p>
-            <a:r>
-              <a:rPr lang="en-US" b="1" dirty="0">
-                <a:solidFill>
-                  <a:srgbClr val="FF0000"/>
-                </a:solidFill>
-              </a:rPr>
-              <a:t>};</a:t>
-            </a:r>
-          </a:p>
-          <a:p>
-            <a:endParaRPr lang="en-US" b="1" dirty="0">
-              <a:solidFill>
-                <a:srgbClr val="FF0000"/>
-              </a:solidFill>
-            </a:endParaRPr>
-          </a:p>
-        </p:txBody>
-      </p:sp>
-      <p:sp>
-        <p:nvSpPr>
-          <p:cNvPr id="2" name="Rectangle 1"/>
-          <p:cNvSpPr/>
-          <p:nvPr/>
-        </p:nvSpPr>
-        <p:spPr>
-          <a:xfrm>
-            <a:off x="6732389" y="1944266"/>
-            <a:ext cx="5472608" cy="3477875"/>
-          </a:xfrm>
-          <a:prstGeom prst="rect">
-            <a:avLst/>
-          </a:prstGeom>
-        </p:spPr>
-        <p:style>
-          <a:lnRef idx="2">
-            <a:schemeClr val="dk1"/>
-          </a:lnRef>
-          <a:fillRef idx="1">
-            <a:schemeClr val="lt1"/>
-          </a:fillRef>
-          <a:effectRef idx="0">
-            <a:schemeClr val="dk1"/>
-          </a:effectRef>
-          <a:fontRef idx="minor">
-            <a:schemeClr val="dk1"/>
-          </a:fontRef>
-        </p:style>
-        <p:txBody>
-          <a:bodyPr wrap="square">
-            <a:spAutoFit/>
-          </a:bodyPr>
-          <a:lstStyle/>
-          <a:p>
-            <a:r>
-              <a:rPr lang="en-US" b="1" dirty="0">
-                <a:solidFill>
-                  <a:srgbClr val="FF0000"/>
-                </a:solidFill>
-              </a:rPr>
-              <a:t>// Definition of static data member</a:t>
-            </a:r>
-          </a:p>
-          <a:p>
-            <a:r>
-              <a:rPr lang="en-US" b="1" dirty="0" err="1">
-                <a:solidFill>
-                  <a:srgbClr val="FF0000"/>
-                </a:solidFill>
-              </a:rPr>
-              <a:t>int</a:t>
-            </a:r>
-            <a:r>
-              <a:rPr lang="en-US" b="1" dirty="0">
-                <a:solidFill>
-                  <a:srgbClr val="FF0000"/>
-                </a:solidFill>
-              </a:rPr>
-              <a:t> Student::count = 0;</a:t>
-            </a:r>
-          </a:p>
-          <a:p>
-            <a:endParaRPr lang="en-US" b="1" dirty="0">
-              <a:solidFill>
-                <a:srgbClr val="FF0000"/>
-              </a:solidFill>
-            </a:endParaRPr>
-          </a:p>
-          <a:p>
-            <a:r>
-              <a:rPr lang="en-US" b="1" dirty="0" err="1">
-                <a:solidFill>
-                  <a:srgbClr val="FF0000"/>
-                </a:solidFill>
-              </a:rPr>
-              <a:t>int</a:t>
-            </a:r>
-            <a:r>
-              <a:rPr lang="en-US" b="1" dirty="0">
-                <a:solidFill>
-                  <a:srgbClr val="FF0000"/>
-                </a:solidFill>
-              </a:rPr>
-              <a:t> main() {</a:t>
-            </a:r>
-          </a:p>
-          <a:p>
-            <a:r>
-              <a:rPr lang="en-US" b="1" dirty="0">
-                <a:solidFill>
-                  <a:srgbClr val="002060"/>
-                </a:solidFill>
-              </a:rPr>
-              <a:t>  Student s1, s2, s3</a:t>
-            </a:r>
-            <a:r>
-              <a:rPr lang="en-US" b="1" dirty="0" smtClean="0">
-                <a:solidFill>
-                  <a:srgbClr val="002060"/>
-                </a:solidFill>
-              </a:rPr>
-              <a:t>;</a:t>
-            </a:r>
-          </a:p>
-          <a:p>
-            <a:endParaRPr lang="en-US" b="1" dirty="0" smtClean="0">
-              <a:solidFill>
-                <a:srgbClr val="FF0000"/>
-              </a:solidFill>
-            </a:endParaRPr>
-          </a:p>
-          <a:p>
-            <a:r>
-              <a:rPr lang="en-US" b="1" dirty="0">
-                <a:solidFill>
-                  <a:srgbClr val="FF0000"/>
-                </a:solidFill>
-              </a:rPr>
-              <a:t>// Accessing static </a:t>
-            </a:r>
-            <a:r>
-              <a:rPr lang="en-US" b="1" dirty="0" smtClean="0">
-                <a:solidFill>
-                  <a:srgbClr val="FF0000"/>
-                </a:solidFill>
-              </a:rPr>
-              <a:t>function</a:t>
-            </a:r>
-            <a:endParaRPr lang="en-US" b="1" dirty="0">
-              <a:solidFill>
-                <a:srgbClr val="FF0000"/>
-              </a:solidFill>
-            </a:endParaRPr>
-          </a:p>
-          <a:p>
-            <a:r>
-              <a:rPr lang="en-US" b="1" dirty="0">
-                <a:solidFill>
-                  <a:srgbClr val="7030A0"/>
-                </a:solidFill>
-              </a:rPr>
-              <a:t>  Student::</a:t>
-            </a:r>
-            <a:r>
-              <a:rPr lang="en-US" b="1" dirty="0" err="1">
-                <a:solidFill>
-                  <a:srgbClr val="7030A0"/>
-                </a:solidFill>
-              </a:rPr>
-              <a:t>showCount</a:t>
-            </a:r>
-            <a:r>
-              <a:rPr lang="en-US" b="1" dirty="0">
-                <a:solidFill>
-                  <a:srgbClr val="7030A0"/>
-                </a:solidFill>
-              </a:rPr>
-              <a:t>();  </a:t>
-            </a:r>
-          </a:p>
-          <a:p>
-            <a:r>
-              <a:rPr lang="en-US" b="1" dirty="0">
-                <a:solidFill>
-                  <a:srgbClr val="FF0000"/>
-                </a:solidFill>
-              </a:rPr>
-              <a:t>  return 0;</a:t>
-            </a:r>
-          </a:p>
-          <a:p>
-            <a:r>
-              <a:rPr lang="en-US" b="1" dirty="0">
-                <a:solidFill>
-                  <a:srgbClr val="FF0000"/>
-                </a:solidFill>
-              </a:rPr>
-              <a:t>}</a:t>
-            </a:r>
-            <a:endParaRPr lang="en-US" b="1" dirty="0">
-              <a:solidFill>
-                <a:srgbClr val="FF0000"/>
-              </a:solidFill>
-            </a:endParaRPr>
-          </a:p>
-        </p:txBody>
-      </p:sp>
-    </p:spTree>
-    <p:extLst>
-      <p:ext uri="{BB962C8B-B14F-4D97-AF65-F5344CB8AC3E}">
-        <p14:creationId xmlns:p14="http://schemas.microsoft.com/office/powerpoint/2010/main" val="2163076947"/>
-      </p:ext>
-    </p:extLst>
-  </p:cSld>
-  <p:clrMapOvr>
-    <a:masterClrMapping/>
-  </p:clrMapOvr>
-  <p:timing>
-    <p:tnLst>
-      <p:par>
-        <p:cTn id="1" dur="indefinite" restart="never" nodeType="tmRoot"/>
-      </p:par>
-    </p:tnLst>
-  </p:timing>
-</p:sld>
-</file>
-
-<file path=ppt/slides/slide15.xml><?xml version="1.0" encoding="utf-8"?>
-<p:sld xmlns:a="http://schemas.openxmlformats.org/drawingml/2006/main" xmlns:r="http://schemas.openxmlformats.org/officeDocument/2006/relationships" xmlns:p="http://schemas.openxmlformats.org/presentationml/2006/main">
-  <p:cSld>
-    <p:spTree>
-      <p:nvGrpSpPr>
-        <p:cNvPr id="1" name=""/>
-        <p:cNvGrpSpPr/>
-        <p:nvPr/>
-      </p:nvGrpSpPr>
-      <p:grpSpPr>
-        <a:xfrm>
-          <a:off x="0" y="0"/>
-          <a:ext cx="0" cy="0"/>
-          <a:chOff x="0" y="0"/>
-          <a:chExt cx="0" cy="0"/>
-        </a:xfrm>
-      </p:grpSpPr>
-      <p:pic>
-        <p:nvPicPr>
-          <p:cNvPr id="4" name="Picture 3"/>
-          <p:cNvPicPr>
-            <a:picLocks/>
-          </p:cNvPicPr>
-          <p:nvPr/>
-        </p:nvPicPr>
-        <p:blipFill>
-          <a:blip r:embed="rId2" cstate="print">
-            <a:extLst>
-              <a:ext uri="{28A0092B-C50C-407E-A947-70E740481C1C}">
-                <a14:useLocalDpi xmlns:a14="http://schemas.microsoft.com/office/drawing/2010/main" val="0"/>
-              </a:ext>
-            </a:extLst>
-          </a:blip>
-          <a:stretch>
-            <a:fillRect/>
-          </a:stretch>
-        </p:blipFill>
-        <p:spPr>
-          <a:xfrm>
-            <a:off x="10588819" y="180259"/>
-            <a:ext cx="1477497" cy="990055"/>
-          </a:xfrm>
-          <a:prstGeom prst="rect">
-            <a:avLst/>
-          </a:prstGeom>
-        </p:spPr>
-      </p:pic>
-      <p:sp>
-        <p:nvSpPr>
-          <p:cNvPr id="5" name="Rectangle 4"/>
-          <p:cNvSpPr/>
-          <p:nvPr/>
-        </p:nvSpPr>
-        <p:spPr>
-          <a:xfrm>
-            <a:off x="7551740" y="5760571"/>
-            <a:ext cx="5827907" cy="1710096"/>
-          </a:xfrm>
-          <a:prstGeom prst="rect">
-            <a:avLst/>
-          </a:prstGeom>
-          <a:noFill/>
-          <a:ln w="12700" cap="flat" cmpd="sng" algn="ctr">
-            <a:noFill/>
-            <a:prstDash val="solid"/>
-            <a:miter lim="800000"/>
-          </a:ln>
-          <a:effectLst/>
-          <a:extLst>
-            <a:ext uri="{909E8E84-426E-40DD-AFC4-6F175D3DCCD1}">
-              <a14:hiddenFill xmlns:a14="http://schemas.microsoft.com/office/drawing/2010/main">
-                <a:solidFill>
-                  <a:schemeClr val="accent1"/>
-                </a:solidFill>
-              </a14:hiddenFill>
-            </a:ext>
-            <a:ext uri="{91240B29-F687-4F45-9708-019B960494DF}">
-              <a14:hiddenLine xmlns:a14="http://schemas.microsoft.com/office/drawing/2010/main" w="12700" cap="flat" cmpd="sng" algn="ctr">
-                <a:solidFill>
-                  <a:schemeClr val="accent1">
-                    <a:shade val="50000"/>
-                  </a:schemeClr>
-                </a:solidFill>
-                <a:prstDash val="solid"/>
-                <a:miter lim="800000"/>
-              </a14:hiddenLine>
-            </a:ext>
-          </a:extLst>
-        </p:spPr>
-        <p:style>
-          <a:lnRef idx="2">
-            <a:schemeClr val="accent1">
-              <a:shade val="50000"/>
-            </a:schemeClr>
-          </a:lnRef>
-          <a:fillRef idx="1">
-            <a:schemeClr val="accent1"/>
-          </a:fillRef>
-          <a:effectRef idx="0">
-            <a:schemeClr val="accent1"/>
-          </a:effectRef>
-          <a:fontRef idx="minor">
-            <a:schemeClr val="lt1"/>
-          </a:fontRef>
-        </p:style>
-        <p:txBody>
-          <a:bodyPr lIns="103239" tIns="45884" rIns="103239" bIns="45884" rtlCol="0" anchor="t"/>
-          <a:lstStyle/>
-          <a:p>
-            <a:pPr algn="ctr"/>
-            <a:endParaRPr lang="en-US" sz="3300" b="1" dirty="0">
-              <a:solidFill>
-                <a:srgbClr val="FF0000"/>
-              </a:solidFill>
-              <a:latin typeface="Calibri" panose="020F0502020204030204" pitchFamily="34" charset="0"/>
-            </a:endParaRPr>
-          </a:p>
-        </p:txBody>
-      </p:sp>
-      <p:sp>
-        <p:nvSpPr>
-          <p:cNvPr id="3" name="Rectangle 2"/>
-          <p:cNvSpPr/>
-          <p:nvPr/>
-        </p:nvSpPr>
-        <p:spPr>
-          <a:xfrm>
-            <a:off x="610401" y="576114"/>
-            <a:ext cx="11161240" cy="5170646"/>
-          </a:xfrm>
-          <a:prstGeom prst="rect">
-            <a:avLst/>
-          </a:prstGeom>
-          <a:noFill/>
-          <a:ln>
-            <a:noFill/>
-          </a:ln>
-        </p:spPr>
-        <p:style>
-          <a:lnRef idx="2">
-            <a:schemeClr val="dk1"/>
-          </a:lnRef>
-          <a:fillRef idx="1">
-            <a:schemeClr val="lt1"/>
-          </a:fillRef>
-          <a:effectRef idx="0">
-            <a:schemeClr val="dk1"/>
-          </a:effectRef>
-          <a:fontRef idx="minor">
-            <a:schemeClr val="dk1"/>
-          </a:fontRef>
-        </p:style>
-        <p:txBody>
-          <a:bodyPr wrap="square">
-            <a:spAutoFit/>
-          </a:bodyPr>
-          <a:lstStyle/>
-          <a:p>
-            <a:r>
-              <a:rPr lang="en-US" b="1" dirty="0">
-                <a:solidFill>
-                  <a:srgbClr val="FF0000"/>
-                </a:solidFill>
-              </a:rPr>
-              <a:t>Encapsulation in C</a:t>
-            </a:r>
-            <a:r>
-              <a:rPr lang="en-US" b="1" dirty="0" smtClean="0">
-                <a:solidFill>
-                  <a:srgbClr val="FF0000"/>
-                </a:solidFill>
-              </a:rPr>
-              <a:t>++</a:t>
-            </a:r>
-          </a:p>
-          <a:p>
-            <a:endParaRPr lang="en-US" b="1" dirty="0"/>
-          </a:p>
-          <a:p>
-            <a:r>
-              <a:rPr lang="en-US" b="1" dirty="0"/>
-              <a:t>Encapsulation</a:t>
-            </a:r>
-            <a:r>
-              <a:rPr lang="en-US" dirty="0"/>
-              <a:t> is the process of </a:t>
-            </a:r>
-            <a:r>
-              <a:rPr lang="en-US" b="1" dirty="0"/>
-              <a:t>binding data and functions</a:t>
-            </a:r>
-            <a:r>
-              <a:rPr lang="en-US" dirty="0"/>
-              <a:t> that operate on the data into a single unit — </a:t>
-            </a:r>
-            <a:r>
-              <a:rPr lang="en-US" b="1" dirty="0"/>
-              <a:t>the class</a:t>
-            </a:r>
-            <a:r>
-              <a:rPr lang="en-US" dirty="0"/>
-              <a:t>.</a:t>
-            </a:r>
-          </a:p>
-          <a:p>
-            <a:r>
-              <a:rPr lang="en-US" dirty="0"/>
-              <a:t>It helps in:</a:t>
-            </a:r>
-          </a:p>
-          <a:p>
-            <a:pPr marL="898398" lvl="1" indent="-342900">
-              <a:buFont typeface="Arial" pitchFamily="34" charset="0"/>
-              <a:buChar char="•"/>
-            </a:pPr>
-            <a:r>
-              <a:rPr lang="en-US" dirty="0"/>
-              <a:t>Protecting data from unauthorized access</a:t>
-            </a:r>
-          </a:p>
-          <a:p>
-            <a:pPr marL="898398" lvl="1" indent="-342900">
-              <a:buFont typeface="Arial" pitchFamily="34" charset="0"/>
-              <a:buChar char="•"/>
-            </a:pPr>
-            <a:r>
-              <a:rPr lang="en-US" dirty="0"/>
-              <a:t>Achieving data hiding</a:t>
-            </a:r>
-          </a:p>
-          <a:p>
-            <a:pPr marL="898398" lvl="1" indent="-342900">
-              <a:buFont typeface="Arial" pitchFamily="34" charset="0"/>
-              <a:buChar char="•"/>
-            </a:pPr>
-            <a:r>
-              <a:rPr lang="en-US" dirty="0"/>
-              <a:t>Making code more modular and </a:t>
-            </a:r>
-            <a:r>
-              <a:rPr lang="en-US" dirty="0" smtClean="0"/>
-              <a:t>secure</a:t>
-            </a:r>
-          </a:p>
-          <a:p>
-            <a:pPr marL="898398" lvl="1" indent="-342900">
-              <a:buFont typeface="Arial" pitchFamily="34" charset="0"/>
-              <a:buChar char="•"/>
-            </a:pPr>
-            <a:endParaRPr lang="en-US" dirty="0"/>
-          </a:p>
-          <a:p>
-            <a:pPr marL="898398" lvl="1" indent="-342900">
-              <a:buFont typeface="Arial" pitchFamily="34" charset="0"/>
-              <a:buChar char="•"/>
-            </a:pPr>
-            <a:endParaRPr lang="en-US" dirty="0" smtClean="0"/>
-          </a:p>
-          <a:p>
-            <a:pPr marL="898398" lvl="1" indent="-342900">
-              <a:buFont typeface="Arial" pitchFamily="34" charset="0"/>
-              <a:buChar char="•"/>
-            </a:pPr>
-            <a:endParaRPr lang="en-US" dirty="0"/>
-          </a:p>
-          <a:p>
-            <a:r>
-              <a:rPr lang="en-US" b="1" dirty="0" smtClean="0"/>
-              <a:t>Real-Life </a:t>
-            </a:r>
-            <a:r>
-              <a:rPr lang="en-US" b="1" dirty="0"/>
-              <a:t>Example:</a:t>
-            </a:r>
-          </a:p>
-          <a:p>
-            <a:r>
-              <a:rPr lang="en-US" dirty="0"/>
-              <a:t>Think of a </a:t>
-            </a:r>
-            <a:r>
-              <a:rPr lang="en-US" b="1" dirty="0"/>
-              <a:t>bank account</a:t>
-            </a:r>
-            <a:r>
-              <a:rPr lang="en-US" dirty="0"/>
-              <a:t>:</a:t>
-            </a:r>
-          </a:p>
-          <a:p>
-            <a:pPr lvl="1"/>
-            <a:r>
-              <a:rPr lang="en-US" dirty="0"/>
-              <a:t>You can </a:t>
-            </a:r>
-            <a:r>
-              <a:rPr lang="en-US" b="1" dirty="0"/>
-              <a:t>deposit</a:t>
-            </a:r>
-            <a:r>
-              <a:rPr lang="en-US" dirty="0"/>
-              <a:t> or </a:t>
-            </a:r>
-            <a:r>
-              <a:rPr lang="en-US" b="1" dirty="0"/>
-              <a:t>withdraw</a:t>
-            </a:r>
-            <a:r>
-              <a:rPr lang="en-US" dirty="0"/>
-              <a:t> money,</a:t>
-            </a:r>
-          </a:p>
-          <a:p>
-            <a:pPr lvl="1"/>
-            <a:r>
-              <a:rPr lang="en-US" dirty="0"/>
-              <a:t>But you </a:t>
-            </a:r>
-            <a:r>
-              <a:rPr lang="en-US" b="1" dirty="0"/>
-              <a:t>can't directly access</a:t>
-            </a:r>
-            <a:r>
-              <a:rPr lang="en-US" dirty="0"/>
-              <a:t> the balance — it's hidden inside.</a:t>
-            </a:r>
-          </a:p>
-        </p:txBody>
-      </p:sp>
-    </p:spTree>
-    <p:extLst>
-      <p:ext uri="{BB962C8B-B14F-4D97-AF65-F5344CB8AC3E}">
-        <p14:creationId xmlns:p14="http://schemas.microsoft.com/office/powerpoint/2010/main" val="80673245"/>
-      </p:ext>
-    </p:extLst>
-  </p:cSld>
-  <p:clrMapOvr>
-    <a:masterClrMapping/>
-  </p:clrMapOvr>
-  <p:timing>
-    <p:tnLst>
-      <p:par>
-        <p:cTn id="1" dur="indefinite" restart="never" nodeType="tmRoot"/>
-      </p:par>
-    </p:tnLst>
-  </p:timing>
-</p:sld>
-</file>
-
-<file path=ppt/slides/slide16.xml><?xml version="1.0" encoding="utf-8"?>
-<p:sld xmlns:a="http://schemas.openxmlformats.org/drawingml/2006/main" xmlns:r="http://schemas.openxmlformats.org/officeDocument/2006/relationships" xmlns:p="http://schemas.openxmlformats.org/presentationml/2006/main">
-  <p:cSld>
-    <p:spTree>
-      <p:nvGrpSpPr>
-        <p:cNvPr id="1" name=""/>
-        <p:cNvGrpSpPr/>
-        <p:nvPr/>
-      </p:nvGrpSpPr>
-      <p:grpSpPr>
-        <a:xfrm>
-          <a:off x="0" y="0"/>
-          <a:ext cx="0" cy="0"/>
-          <a:chOff x="0" y="0"/>
-          <a:chExt cx="0" cy="0"/>
-        </a:xfrm>
-      </p:grpSpPr>
-      <p:pic>
-        <p:nvPicPr>
-          <p:cNvPr id="4" name="Picture 3"/>
-          <p:cNvPicPr>
-            <a:picLocks/>
-          </p:cNvPicPr>
-          <p:nvPr/>
-        </p:nvPicPr>
-        <p:blipFill>
-          <a:blip r:embed="rId2" cstate="print">
-            <a:extLst>
-              <a:ext uri="{28A0092B-C50C-407E-A947-70E740481C1C}">
-                <a14:useLocalDpi xmlns:a14="http://schemas.microsoft.com/office/drawing/2010/main" val="0"/>
-              </a:ext>
-            </a:extLst>
-          </a:blip>
-          <a:stretch>
-            <a:fillRect/>
-          </a:stretch>
-        </p:blipFill>
-        <p:spPr>
-          <a:xfrm>
-            <a:off x="10588819" y="180259"/>
-            <a:ext cx="1477497" cy="990055"/>
-          </a:xfrm>
-          <a:prstGeom prst="rect">
-            <a:avLst/>
-          </a:prstGeom>
-        </p:spPr>
-      </p:pic>
-      <p:sp>
-        <p:nvSpPr>
-          <p:cNvPr id="5" name="Rectangle 4"/>
-          <p:cNvSpPr/>
-          <p:nvPr/>
-        </p:nvSpPr>
-        <p:spPr>
-          <a:xfrm>
-            <a:off x="7551740" y="5760571"/>
-            <a:ext cx="5827907" cy="1710096"/>
-          </a:xfrm>
-          <a:prstGeom prst="rect">
-            <a:avLst/>
-          </a:prstGeom>
-          <a:noFill/>
-          <a:ln w="12700" cap="flat" cmpd="sng" algn="ctr">
-            <a:noFill/>
-            <a:prstDash val="solid"/>
-            <a:miter lim="800000"/>
-          </a:ln>
-          <a:effectLst/>
-          <a:extLst>
-            <a:ext uri="{909E8E84-426E-40DD-AFC4-6F175D3DCCD1}">
-              <a14:hiddenFill xmlns:a14="http://schemas.microsoft.com/office/drawing/2010/main">
-                <a:solidFill>
-                  <a:schemeClr val="accent1"/>
-                </a:solidFill>
-              </a14:hiddenFill>
-            </a:ext>
-            <a:ext uri="{91240B29-F687-4F45-9708-019B960494DF}">
-              <a14:hiddenLine xmlns:a14="http://schemas.microsoft.com/office/drawing/2010/main" w="12700" cap="flat" cmpd="sng" algn="ctr">
-                <a:solidFill>
-                  <a:schemeClr val="accent1">
-                    <a:shade val="50000"/>
-                  </a:schemeClr>
-                </a:solidFill>
-                <a:prstDash val="solid"/>
-                <a:miter lim="800000"/>
-              </a14:hiddenLine>
-            </a:ext>
-          </a:extLst>
-        </p:spPr>
-        <p:style>
-          <a:lnRef idx="2">
-            <a:schemeClr val="accent1">
-              <a:shade val="50000"/>
-            </a:schemeClr>
-          </a:lnRef>
-          <a:fillRef idx="1">
-            <a:schemeClr val="accent1"/>
-          </a:fillRef>
-          <a:effectRef idx="0">
-            <a:schemeClr val="accent1"/>
-          </a:effectRef>
-          <a:fontRef idx="minor">
-            <a:schemeClr val="lt1"/>
-          </a:fontRef>
-        </p:style>
-        <p:txBody>
-          <a:bodyPr lIns="103239" tIns="45884" rIns="103239" bIns="45884" rtlCol="0" anchor="t"/>
-          <a:lstStyle/>
-          <a:p>
-            <a:pPr algn="ctr"/>
-            <a:endParaRPr lang="en-US" sz="3300" b="1" dirty="0">
-              <a:solidFill>
-                <a:srgbClr val="FF0000"/>
-              </a:solidFill>
-              <a:latin typeface="Calibri" panose="020F0502020204030204" pitchFamily="34" charset="0"/>
-            </a:endParaRPr>
-          </a:p>
-        </p:txBody>
-      </p:sp>
-      <p:sp>
-        <p:nvSpPr>
-          <p:cNvPr id="3" name="Rectangle 2"/>
-          <p:cNvSpPr/>
-          <p:nvPr/>
-        </p:nvSpPr>
-        <p:spPr>
-          <a:xfrm>
-            <a:off x="610401" y="576114"/>
-            <a:ext cx="4681828" cy="6186309"/>
-          </a:xfrm>
-          <a:prstGeom prst="rect">
-            <a:avLst/>
-          </a:prstGeom>
-          <a:ln/>
-        </p:spPr>
-        <p:style>
-          <a:lnRef idx="2">
-            <a:schemeClr val="dk1"/>
-          </a:lnRef>
-          <a:fillRef idx="1">
-            <a:schemeClr val="lt1"/>
-          </a:fillRef>
-          <a:effectRef idx="0">
-            <a:schemeClr val="dk1"/>
-          </a:effectRef>
-          <a:fontRef idx="minor">
-            <a:schemeClr val="dk1"/>
-          </a:fontRef>
-        </p:style>
-        <p:txBody>
-          <a:bodyPr wrap="square">
-            <a:spAutoFit/>
-          </a:bodyPr>
-          <a:lstStyle/>
-          <a:p>
-            <a:r>
-              <a:rPr lang="en-US" b="1" dirty="0">
-                <a:solidFill>
-                  <a:srgbClr val="FF0000"/>
-                </a:solidFill>
-              </a:rPr>
-              <a:t>#include &lt;</a:t>
-            </a:r>
-            <a:r>
-              <a:rPr lang="en-US" b="1" dirty="0" err="1">
-                <a:solidFill>
-                  <a:srgbClr val="FF0000"/>
-                </a:solidFill>
-              </a:rPr>
-              <a:t>iostream</a:t>
-            </a:r>
-            <a:r>
-              <a:rPr lang="en-US" b="1" dirty="0">
-                <a:solidFill>
-                  <a:srgbClr val="FF0000"/>
-                </a:solidFill>
-              </a:rPr>
-              <a:t>&gt;</a:t>
-            </a:r>
-          </a:p>
-          <a:p>
-            <a:r>
-              <a:rPr lang="en-US" b="1" dirty="0">
-                <a:solidFill>
-                  <a:srgbClr val="FF0000"/>
-                </a:solidFill>
-              </a:rPr>
-              <a:t>using namespace </a:t>
-            </a:r>
-            <a:r>
-              <a:rPr lang="en-US" b="1" dirty="0" err="1">
-                <a:solidFill>
-                  <a:srgbClr val="FF0000"/>
-                </a:solidFill>
-              </a:rPr>
-              <a:t>std</a:t>
-            </a:r>
-            <a:r>
-              <a:rPr lang="en-US" b="1" dirty="0">
-                <a:solidFill>
-                  <a:srgbClr val="FF0000"/>
-                </a:solidFill>
-              </a:rPr>
-              <a:t>;</a:t>
-            </a:r>
-          </a:p>
-          <a:p>
-            <a:endParaRPr lang="en-US" b="1" dirty="0">
-              <a:solidFill>
-                <a:srgbClr val="FF0000"/>
-              </a:solidFill>
-            </a:endParaRPr>
-          </a:p>
-          <a:p>
-            <a:r>
-              <a:rPr lang="en-US" b="1" dirty="0">
-                <a:solidFill>
-                  <a:srgbClr val="FF0000"/>
-                </a:solidFill>
-              </a:rPr>
-              <a:t>class </a:t>
-            </a:r>
-            <a:r>
-              <a:rPr lang="en-US" b="1" dirty="0" err="1">
-                <a:solidFill>
-                  <a:srgbClr val="FF0000"/>
-                </a:solidFill>
-              </a:rPr>
-              <a:t>BankAccount</a:t>
-            </a:r>
-            <a:r>
-              <a:rPr lang="en-US" b="1" dirty="0">
-                <a:solidFill>
-                  <a:srgbClr val="FF0000"/>
-                </a:solidFill>
-              </a:rPr>
-              <a:t> {</a:t>
-            </a:r>
-          </a:p>
-          <a:p>
-            <a:r>
-              <a:rPr lang="en-US" b="1" dirty="0">
-                <a:solidFill>
-                  <a:srgbClr val="FF0000"/>
-                </a:solidFill>
-              </a:rPr>
-              <a:t>  private:</a:t>
-            </a:r>
-          </a:p>
-          <a:p>
-            <a:r>
-              <a:rPr lang="en-US" b="1" dirty="0">
-                <a:solidFill>
-                  <a:srgbClr val="FF0000"/>
-                </a:solidFill>
-              </a:rPr>
-              <a:t>    </a:t>
-            </a:r>
-            <a:r>
-              <a:rPr lang="en-US" b="1" dirty="0" err="1">
-                <a:solidFill>
-                  <a:srgbClr val="FF0000"/>
-                </a:solidFill>
-              </a:rPr>
-              <a:t>int</a:t>
-            </a:r>
-            <a:r>
-              <a:rPr lang="en-US" b="1" dirty="0">
-                <a:solidFill>
-                  <a:srgbClr val="FF0000"/>
-                </a:solidFill>
-              </a:rPr>
-              <a:t> balance;</a:t>
-            </a:r>
-          </a:p>
-          <a:p>
-            <a:endParaRPr lang="en-US" b="1" dirty="0">
-              <a:solidFill>
-                <a:srgbClr val="FF0000"/>
-              </a:solidFill>
-            </a:endParaRPr>
-          </a:p>
-          <a:p>
-            <a:r>
-              <a:rPr lang="en-US" b="1" dirty="0">
-                <a:solidFill>
-                  <a:srgbClr val="FF0000"/>
-                </a:solidFill>
-              </a:rPr>
-              <a:t>  </a:t>
-            </a:r>
-            <a:r>
-              <a:rPr lang="en-US" b="1" dirty="0">
-                <a:solidFill>
-                  <a:srgbClr val="002060"/>
-                </a:solidFill>
-              </a:rPr>
-              <a:t>public:</a:t>
-            </a:r>
-          </a:p>
-          <a:p>
-            <a:r>
-              <a:rPr lang="en-US" b="1" dirty="0">
-                <a:solidFill>
-                  <a:srgbClr val="002060"/>
-                </a:solidFill>
-              </a:rPr>
-              <a:t>    void deposit(</a:t>
-            </a:r>
-            <a:r>
-              <a:rPr lang="en-US" b="1" dirty="0" err="1">
-                <a:solidFill>
-                  <a:srgbClr val="002060"/>
-                </a:solidFill>
-              </a:rPr>
-              <a:t>int</a:t>
-            </a:r>
-            <a:r>
-              <a:rPr lang="en-US" b="1" dirty="0">
-                <a:solidFill>
-                  <a:srgbClr val="002060"/>
-                </a:solidFill>
-              </a:rPr>
-              <a:t> amount) {</a:t>
-            </a:r>
-          </a:p>
-          <a:p>
-            <a:r>
-              <a:rPr lang="en-US" b="1" dirty="0">
-                <a:solidFill>
-                  <a:srgbClr val="002060"/>
-                </a:solidFill>
-              </a:rPr>
-              <a:t>      if(amount &gt; 0)</a:t>
-            </a:r>
-          </a:p>
-          <a:p>
-            <a:r>
-              <a:rPr lang="en-US" b="1" dirty="0">
-                <a:solidFill>
-                  <a:srgbClr val="002060"/>
-                </a:solidFill>
-              </a:rPr>
-              <a:t>        balance += amount;</a:t>
-            </a:r>
-          </a:p>
-          <a:p>
-            <a:r>
-              <a:rPr lang="en-US" b="1" dirty="0">
-                <a:solidFill>
-                  <a:srgbClr val="002060"/>
-                </a:solidFill>
-              </a:rPr>
-              <a:t>    }</a:t>
-            </a:r>
-          </a:p>
-          <a:p>
-            <a:endParaRPr lang="en-US" b="1" dirty="0">
-              <a:solidFill>
-                <a:srgbClr val="FF0000"/>
-              </a:solidFill>
-            </a:endParaRPr>
-          </a:p>
-          <a:p>
-            <a:r>
-              <a:rPr lang="en-US" b="1" dirty="0">
-                <a:solidFill>
-                  <a:srgbClr val="FF0000"/>
-                </a:solidFill>
-              </a:rPr>
-              <a:t>    </a:t>
-            </a:r>
-            <a:r>
-              <a:rPr lang="en-US" b="1" dirty="0" err="1">
-                <a:solidFill>
-                  <a:srgbClr val="002060"/>
-                </a:solidFill>
-              </a:rPr>
-              <a:t>int</a:t>
-            </a:r>
-            <a:r>
-              <a:rPr lang="en-US" b="1" dirty="0">
-                <a:solidFill>
-                  <a:srgbClr val="002060"/>
-                </a:solidFill>
-              </a:rPr>
-              <a:t> </a:t>
-            </a:r>
-            <a:r>
-              <a:rPr lang="en-US" b="1" dirty="0" err="1">
-                <a:solidFill>
-                  <a:srgbClr val="002060"/>
-                </a:solidFill>
-              </a:rPr>
-              <a:t>getBalance</a:t>
-            </a:r>
-            <a:r>
-              <a:rPr lang="en-US" b="1" dirty="0">
-                <a:solidFill>
-                  <a:srgbClr val="002060"/>
-                </a:solidFill>
-              </a:rPr>
-              <a:t>() {</a:t>
-            </a:r>
-          </a:p>
-          <a:p>
-            <a:r>
-              <a:rPr lang="en-US" b="1" dirty="0">
-                <a:solidFill>
-                  <a:srgbClr val="002060"/>
-                </a:solidFill>
-              </a:rPr>
-              <a:t>      return balance;</a:t>
-            </a:r>
-          </a:p>
-          <a:p>
-            <a:r>
-              <a:rPr lang="en-US" b="1" dirty="0">
-                <a:solidFill>
-                  <a:srgbClr val="002060"/>
-                </a:solidFill>
-              </a:rPr>
-              <a:t>    }</a:t>
-            </a:r>
-          </a:p>
-          <a:p>
-            <a:r>
-              <a:rPr lang="en-US" b="1" dirty="0">
-                <a:solidFill>
-                  <a:srgbClr val="FF0000"/>
-                </a:solidFill>
-              </a:rPr>
-              <a:t>};</a:t>
-            </a:r>
-          </a:p>
-          <a:p>
-            <a:endParaRPr lang="en-US" b="1" dirty="0">
-              <a:solidFill>
-                <a:srgbClr val="FF0000"/>
-              </a:solidFill>
-            </a:endParaRPr>
-          </a:p>
-        </p:txBody>
-      </p:sp>
-      <p:sp>
-        <p:nvSpPr>
-          <p:cNvPr id="2" name="Rectangle 1"/>
-          <p:cNvSpPr/>
-          <p:nvPr/>
-        </p:nvSpPr>
-        <p:spPr>
-          <a:xfrm>
-            <a:off x="5569872" y="2160290"/>
-            <a:ext cx="6156325" cy="2800767"/>
-          </a:xfrm>
-          <a:prstGeom prst="rect">
-            <a:avLst/>
-          </a:prstGeom>
-        </p:spPr>
-        <p:style>
-          <a:lnRef idx="2">
-            <a:schemeClr val="dk1"/>
-          </a:lnRef>
-          <a:fillRef idx="1">
-            <a:schemeClr val="lt1"/>
-          </a:fillRef>
-          <a:effectRef idx="0">
-            <a:schemeClr val="dk1"/>
-          </a:effectRef>
-          <a:fontRef idx="minor">
-            <a:schemeClr val="dk1"/>
-          </a:fontRef>
-        </p:style>
-        <p:txBody>
-          <a:bodyPr>
-            <a:spAutoFit/>
-          </a:bodyPr>
-          <a:lstStyle/>
-          <a:p>
-            <a:r>
-              <a:rPr lang="en-US" b="1" dirty="0" err="1">
-                <a:solidFill>
-                  <a:srgbClr val="FF0000"/>
-                </a:solidFill>
-              </a:rPr>
-              <a:t>int</a:t>
-            </a:r>
-            <a:r>
-              <a:rPr lang="en-US" b="1" dirty="0">
-                <a:solidFill>
-                  <a:srgbClr val="FF0000"/>
-                </a:solidFill>
-              </a:rPr>
-              <a:t> main() {</a:t>
-            </a:r>
-          </a:p>
-          <a:p>
-            <a:r>
-              <a:rPr lang="en-US" b="1" dirty="0">
-                <a:solidFill>
-                  <a:srgbClr val="FF0000"/>
-                </a:solidFill>
-              </a:rPr>
-              <a:t>  </a:t>
-            </a:r>
-            <a:r>
-              <a:rPr lang="en-US" b="1" dirty="0" err="1">
-                <a:solidFill>
-                  <a:srgbClr val="FF0000"/>
-                </a:solidFill>
-              </a:rPr>
-              <a:t>BankAccount</a:t>
-            </a:r>
-            <a:r>
-              <a:rPr lang="en-US" b="1" dirty="0">
-                <a:solidFill>
-                  <a:srgbClr val="FF0000"/>
-                </a:solidFill>
-              </a:rPr>
-              <a:t> </a:t>
-            </a:r>
-            <a:r>
-              <a:rPr lang="en-US" b="1" dirty="0" err="1">
-                <a:solidFill>
-                  <a:srgbClr val="FF0000"/>
-                </a:solidFill>
-              </a:rPr>
-              <a:t>acc</a:t>
-            </a:r>
-            <a:r>
-              <a:rPr lang="en-US" b="1" dirty="0">
-                <a:solidFill>
-                  <a:srgbClr val="FF0000"/>
-                </a:solidFill>
-              </a:rPr>
-              <a:t>;</a:t>
-            </a:r>
-          </a:p>
-          <a:p>
-            <a:r>
-              <a:rPr lang="en-US" b="1" dirty="0">
-                <a:solidFill>
-                  <a:srgbClr val="FF0000"/>
-                </a:solidFill>
-              </a:rPr>
-              <a:t>  </a:t>
-            </a:r>
-            <a:r>
-              <a:rPr lang="en-US" b="1" dirty="0" err="1">
-                <a:solidFill>
-                  <a:srgbClr val="002060"/>
-                </a:solidFill>
-              </a:rPr>
-              <a:t>acc.deposit</a:t>
-            </a:r>
-            <a:r>
-              <a:rPr lang="en-US" b="1" dirty="0">
-                <a:solidFill>
-                  <a:srgbClr val="002060"/>
-                </a:solidFill>
-              </a:rPr>
-              <a:t>(1000</a:t>
-            </a:r>
-            <a:r>
-              <a:rPr lang="en-US" b="1" dirty="0">
-                <a:solidFill>
-                  <a:srgbClr val="FF0000"/>
-                </a:solidFill>
-              </a:rPr>
-              <a:t>);</a:t>
-            </a:r>
-          </a:p>
-          <a:p>
-            <a:r>
-              <a:rPr lang="en-US" b="1" dirty="0">
-                <a:solidFill>
-                  <a:srgbClr val="FF0000"/>
-                </a:solidFill>
-              </a:rPr>
-              <a:t>  </a:t>
-            </a:r>
-            <a:r>
-              <a:rPr lang="en-US" b="1" dirty="0" err="1">
-                <a:solidFill>
-                  <a:srgbClr val="FF0000"/>
-                </a:solidFill>
-              </a:rPr>
-              <a:t>cout</a:t>
-            </a:r>
-            <a:r>
-              <a:rPr lang="en-US" b="1" dirty="0">
-                <a:solidFill>
-                  <a:srgbClr val="FF0000"/>
-                </a:solidFill>
-              </a:rPr>
-              <a:t> &lt;&lt; "Balance: " &lt;&lt; </a:t>
-            </a:r>
-            <a:r>
-              <a:rPr lang="en-US" b="1" dirty="0" err="1">
-                <a:solidFill>
-                  <a:srgbClr val="FF0000"/>
-                </a:solidFill>
-              </a:rPr>
-              <a:t>acc.getBalance</a:t>
-            </a:r>
-            <a:r>
-              <a:rPr lang="en-US" b="1" dirty="0">
-                <a:solidFill>
-                  <a:srgbClr val="FF0000"/>
-                </a:solidFill>
-              </a:rPr>
-              <a:t>();  </a:t>
-            </a:r>
-            <a:r>
-              <a:rPr lang="en-US" b="1" dirty="0" smtClean="0">
-                <a:solidFill>
-                  <a:srgbClr val="FF0000"/>
-                </a:solidFill>
-              </a:rPr>
-              <a:t>//Output</a:t>
-            </a:r>
-            <a:r>
-              <a:rPr lang="en-US" b="1" dirty="0">
-                <a:solidFill>
-                  <a:srgbClr val="FF0000"/>
-                </a:solidFill>
-              </a:rPr>
-              <a:t>: 1000</a:t>
-            </a:r>
-          </a:p>
-          <a:p>
-            <a:endParaRPr lang="en-US" b="1" dirty="0">
-              <a:solidFill>
-                <a:srgbClr val="FF0000"/>
-              </a:solidFill>
-            </a:endParaRPr>
-          </a:p>
-          <a:p>
-            <a:r>
-              <a:rPr lang="en-US" b="1" dirty="0">
-                <a:solidFill>
-                  <a:srgbClr val="FF0000"/>
-                </a:solidFill>
-              </a:rPr>
-              <a:t>  return 0;</a:t>
-            </a:r>
-          </a:p>
-          <a:p>
-            <a:r>
-              <a:rPr lang="en-US" b="1" dirty="0">
-                <a:solidFill>
-                  <a:srgbClr val="FF0000"/>
-                </a:solidFill>
-              </a:rPr>
-              <a:t>}</a:t>
-            </a:r>
-            <a:endParaRPr lang="en-US" b="1" dirty="0">
-              <a:solidFill>
-                <a:srgbClr val="FF0000"/>
-              </a:solidFill>
-            </a:endParaRPr>
-          </a:p>
-        </p:txBody>
-      </p:sp>
-    </p:spTree>
-    <p:extLst>
-      <p:ext uri="{BB962C8B-B14F-4D97-AF65-F5344CB8AC3E}">
-        <p14:creationId xmlns:p14="http://schemas.microsoft.com/office/powerpoint/2010/main" val="3797068350"/>
-      </p:ext>
-    </p:extLst>
-  </p:cSld>
-  <p:clrMapOvr>
-    <a:masterClrMapping/>
-  </p:clrMapOvr>
-  <p:timing>
-    <p:tnLst>
-      <p:par>
-        <p:cTn id="1" dur="indefinite" restart="never" nodeType="tmRoot"/>
-      </p:par>
-    </p:tnLst>
-  </p:timing>
-</p:sld>
-</file>
-
-<file path=ppt/slides/slide17.xml><?xml version="1.0" encoding="utf-8"?>
-<p:sld xmlns:a="http://schemas.openxmlformats.org/drawingml/2006/main" xmlns:r="http://schemas.openxmlformats.org/officeDocument/2006/relationships" xmlns:p="http://schemas.openxmlformats.org/presentationml/2006/main">
-  <p:cSld>
-    <p:spTree>
-      <p:nvGrpSpPr>
-        <p:cNvPr id="1" name=""/>
-        <p:cNvGrpSpPr/>
-        <p:nvPr/>
-      </p:nvGrpSpPr>
-      <p:grpSpPr>
-        <a:xfrm>
-          <a:off x="0" y="0"/>
-          <a:ext cx="0" cy="0"/>
-          <a:chOff x="0" y="0"/>
-          <a:chExt cx="0" cy="0"/>
-        </a:xfrm>
-      </p:grpSpPr>
-      <p:pic>
-        <p:nvPicPr>
-          <p:cNvPr id="4" name="Picture 3"/>
-          <p:cNvPicPr>
-            <a:picLocks/>
-          </p:cNvPicPr>
-          <p:nvPr/>
-        </p:nvPicPr>
-        <p:blipFill>
-          <a:blip r:embed="rId2" cstate="print">
-            <a:extLst>
-              <a:ext uri="{28A0092B-C50C-407E-A947-70E740481C1C}">
-                <a14:useLocalDpi xmlns:a14="http://schemas.microsoft.com/office/drawing/2010/main" val="0"/>
-              </a:ext>
-            </a:extLst>
-          </a:blip>
-          <a:stretch>
-            <a:fillRect/>
-          </a:stretch>
-        </p:blipFill>
-        <p:spPr>
-          <a:xfrm>
-            <a:off x="10588819" y="180259"/>
-            <a:ext cx="1477497" cy="990055"/>
-          </a:xfrm>
-          <a:prstGeom prst="rect">
-            <a:avLst/>
-          </a:prstGeom>
-        </p:spPr>
-      </p:pic>
-      <p:sp>
-        <p:nvSpPr>
-          <p:cNvPr id="5" name="Rectangle 4"/>
-          <p:cNvSpPr/>
-          <p:nvPr/>
-        </p:nvSpPr>
-        <p:spPr>
-          <a:xfrm>
-            <a:off x="7551740" y="5760571"/>
-            <a:ext cx="5827907" cy="1710096"/>
-          </a:xfrm>
-          <a:prstGeom prst="rect">
-            <a:avLst/>
-          </a:prstGeom>
-          <a:noFill/>
-          <a:ln w="12700" cap="flat" cmpd="sng" algn="ctr">
-            <a:noFill/>
-            <a:prstDash val="solid"/>
-            <a:miter lim="800000"/>
-          </a:ln>
-          <a:effectLst/>
-          <a:extLst>
-            <a:ext uri="{909E8E84-426E-40DD-AFC4-6F175D3DCCD1}">
-              <a14:hiddenFill xmlns:a14="http://schemas.microsoft.com/office/drawing/2010/main">
-                <a:solidFill>
-                  <a:schemeClr val="accent1"/>
-                </a:solidFill>
-              </a14:hiddenFill>
-            </a:ext>
-            <a:ext uri="{91240B29-F687-4F45-9708-019B960494DF}">
-              <a14:hiddenLine xmlns:a14="http://schemas.microsoft.com/office/drawing/2010/main" w="12700" cap="flat" cmpd="sng" algn="ctr">
-                <a:solidFill>
-                  <a:schemeClr val="accent1">
-                    <a:shade val="50000"/>
-                  </a:schemeClr>
-                </a:solidFill>
-                <a:prstDash val="solid"/>
-                <a:miter lim="800000"/>
-              </a14:hiddenLine>
-            </a:ext>
-          </a:extLst>
-        </p:spPr>
-        <p:style>
-          <a:lnRef idx="2">
-            <a:schemeClr val="accent1">
-              <a:shade val="50000"/>
-            </a:schemeClr>
-          </a:lnRef>
-          <a:fillRef idx="1">
-            <a:schemeClr val="accent1"/>
-          </a:fillRef>
-          <a:effectRef idx="0">
-            <a:schemeClr val="accent1"/>
-          </a:effectRef>
-          <a:fontRef idx="minor">
-            <a:schemeClr val="lt1"/>
-          </a:fontRef>
-        </p:style>
-        <p:txBody>
-          <a:bodyPr lIns="103239" tIns="45884" rIns="103239" bIns="45884" rtlCol="0" anchor="t"/>
-          <a:lstStyle/>
-          <a:p>
-            <a:pPr algn="ctr"/>
-            <a:endParaRPr lang="en-US" sz="3300" b="1" dirty="0">
-              <a:solidFill>
-                <a:srgbClr val="FF0000"/>
-              </a:solidFill>
-              <a:latin typeface="Calibri" panose="020F0502020204030204" pitchFamily="34" charset="0"/>
-            </a:endParaRPr>
-          </a:p>
-        </p:txBody>
-      </p:sp>
-      <p:sp>
-        <p:nvSpPr>
-          <p:cNvPr id="3" name="Rectangle 2"/>
-          <p:cNvSpPr/>
-          <p:nvPr/>
-        </p:nvSpPr>
-        <p:spPr>
-          <a:xfrm>
-            <a:off x="610401" y="576114"/>
-            <a:ext cx="11161240" cy="4154984"/>
-          </a:xfrm>
-          <a:prstGeom prst="rect">
-            <a:avLst/>
-          </a:prstGeom>
-          <a:noFill/>
-          <a:ln>
-            <a:noFill/>
-          </a:ln>
-        </p:spPr>
-        <p:style>
-          <a:lnRef idx="2">
-            <a:schemeClr val="dk1"/>
-          </a:lnRef>
-          <a:fillRef idx="1">
-            <a:schemeClr val="lt1"/>
-          </a:fillRef>
-          <a:effectRef idx="0">
-            <a:schemeClr val="dk1"/>
-          </a:effectRef>
-          <a:fontRef idx="minor">
-            <a:schemeClr val="dk1"/>
-          </a:fontRef>
-        </p:style>
-        <p:txBody>
-          <a:bodyPr wrap="square">
-            <a:spAutoFit/>
-          </a:bodyPr>
-          <a:lstStyle/>
-          <a:p>
-            <a:r>
-              <a:rPr lang="en-US" b="1" dirty="0">
-                <a:solidFill>
-                  <a:srgbClr val="FF0000"/>
-                </a:solidFill>
-              </a:rPr>
-              <a:t>Abstraction in C</a:t>
-            </a:r>
-            <a:r>
-              <a:rPr lang="en-US" b="1" dirty="0" smtClean="0">
-                <a:solidFill>
-                  <a:srgbClr val="FF0000"/>
-                </a:solidFill>
-              </a:rPr>
-              <a:t>++</a:t>
-            </a:r>
-          </a:p>
-          <a:p>
-            <a:endParaRPr lang="en-US" b="1" dirty="0"/>
-          </a:p>
-          <a:p>
-            <a:endParaRPr lang="en-US" b="1" dirty="0"/>
-          </a:p>
-          <a:p>
-            <a:r>
-              <a:rPr lang="en-US" b="1" dirty="0"/>
-              <a:t>Definition:</a:t>
-            </a:r>
-            <a:r>
-              <a:rPr lang="en-US" dirty="0"/>
-              <a:t/>
-            </a:r>
-            <a:br>
-              <a:rPr lang="en-US" dirty="0"/>
-            </a:br>
-            <a:r>
-              <a:rPr lang="en-US" dirty="0"/>
-              <a:t>Abstraction is the process of </a:t>
-            </a:r>
-            <a:r>
-              <a:rPr lang="en-US" b="1" dirty="0"/>
-              <a:t>hiding internal implementation details</a:t>
-            </a:r>
-            <a:r>
-              <a:rPr lang="en-US" dirty="0"/>
-              <a:t> and showing only the </a:t>
-            </a:r>
-            <a:r>
-              <a:rPr lang="en-US" b="1" dirty="0"/>
-              <a:t>essential features</a:t>
-            </a:r>
-            <a:r>
-              <a:rPr lang="en-US" dirty="0"/>
-              <a:t> of an object</a:t>
-            </a:r>
-            <a:r>
-              <a:rPr lang="en-US" dirty="0" smtClean="0"/>
-              <a:t>.</a:t>
-            </a:r>
-          </a:p>
-          <a:p>
-            <a:endParaRPr lang="en-US" dirty="0"/>
-          </a:p>
-          <a:p>
-            <a:r>
-              <a:rPr lang="en-US" b="1" dirty="0"/>
-              <a:t>Why Use Abstraction?</a:t>
-            </a:r>
-          </a:p>
-          <a:p>
-            <a:pPr marL="898398" lvl="1" indent="-342900">
-              <a:buFont typeface="Arial" pitchFamily="34" charset="0"/>
-              <a:buChar char="•"/>
-            </a:pPr>
-            <a:r>
-              <a:rPr lang="en-US" dirty="0"/>
-              <a:t>Reduces complexity</a:t>
-            </a:r>
-          </a:p>
-          <a:p>
-            <a:pPr marL="898398" lvl="1" indent="-342900">
-              <a:buFont typeface="Arial" pitchFamily="34" charset="0"/>
-              <a:buChar char="•"/>
-            </a:pPr>
-            <a:r>
-              <a:rPr lang="en-US" dirty="0"/>
-              <a:t>Increases security</a:t>
-            </a:r>
-          </a:p>
-          <a:p>
-            <a:pPr marL="898398" lvl="1" indent="-342900">
-              <a:buFont typeface="Arial" pitchFamily="34" charset="0"/>
-              <a:buChar char="•"/>
-            </a:pPr>
-            <a:r>
-              <a:rPr lang="en-US" dirty="0"/>
-              <a:t>Focuses on what an object does instead of how it does it</a:t>
-            </a:r>
-          </a:p>
-          <a:p>
-            <a:endParaRPr lang="en-US" dirty="0"/>
-          </a:p>
-        </p:txBody>
-      </p:sp>
-    </p:spTree>
-    <p:extLst>
-      <p:ext uri="{BB962C8B-B14F-4D97-AF65-F5344CB8AC3E}">
-        <p14:creationId xmlns:p14="http://schemas.microsoft.com/office/powerpoint/2010/main" val="3024160775"/>
-      </p:ext>
-    </p:extLst>
-  </p:cSld>
-  <p:clrMapOvr>
-    <a:masterClrMapping/>
-  </p:clrMapOvr>
-  <p:timing>
-    <p:tnLst>
-      <p:par>
-        <p:cTn id="1" dur="indefinite" restart="never" nodeType="tmRoot"/>
-      </p:par>
-    </p:tnLst>
-  </p:timing>
-</p:sld>
-</file>
-
-<file path=ppt/slides/slide18.xml><?xml version="1.0" encoding="utf-8"?>
-<p:sld xmlns:a="http://schemas.openxmlformats.org/drawingml/2006/main" xmlns:r="http://schemas.openxmlformats.org/officeDocument/2006/relationships" xmlns:p="http://schemas.openxmlformats.org/presentationml/2006/main">
-  <p:cSld>
-    <p:spTree>
-      <p:nvGrpSpPr>
-        <p:cNvPr id="1" name=""/>
-        <p:cNvGrpSpPr/>
-        <p:nvPr/>
-      </p:nvGrpSpPr>
-      <p:grpSpPr>
-        <a:xfrm>
-          <a:off x="0" y="0"/>
-          <a:ext cx="0" cy="0"/>
-          <a:chOff x="0" y="0"/>
-          <a:chExt cx="0" cy="0"/>
-        </a:xfrm>
-      </p:grpSpPr>
-      <p:pic>
-        <p:nvPicPr>
-          <p:cNvPr id="4" name="Picture 3"/>
-          <p:cNvPicPr>
-            <a:picLocks/>
-          </p:cNvPicPr>
-          <p:nvPr/>
-        </p:nvPicPr>
-        <p:blipFill>
-          <a:blip r:embed="rId2" cstate="print">
-            <a:extLst>
-              <a:ext uri="{28A0092B-C50C-407E-A947-70E740481C1C}">
-                <a14:useLocalDpi xmlns:a14="http://schemas.microsoft.com/office/drawing/2010/main" val="0"/>
-              </a:ext>
-            </a:extLst>
-          </a:blip>
-          <a:stretch>
-            <a:fillRect/>
-          </a:stretch>
-        </p:blipFill>
-        <p:spPr>
-          <a:xfrm>
-            <a:off x="10588819" y="180259"/>
-            <a:ext cx="1477497" cy="990055"/>
-          </a:xfrm>
-          <a:prstGeom prst="rect">
-            <a:avLst/>
-          </a:prstGeom>
-        </p:spPr>
-      </p:pic>
-      <p:sp>
-        <p:nvSpPr>
-          <p:cNvPr id="5" name="Rectangle 4"/>
-          <p:cNvSpPr/>
-          <p:nvPr/>
-        </p:nvSpPr>
-        <p:spPr>
-          <a:xfrm>
-            <a:off x="7551740" y="5760571"/>
-            <a:ext cx="5827907" cy="1710096"/>
-          </a:xfrm>
-          <a:prstGeom prst="rect">
-            <a:avLst/>
-          </a:prstGeom>
-          <a:noFill/>
-          <a:ln w="12700" cap="flat" cmpd="sng" algn="ctr">
-            <a:noFill/>
-            <a:prstDash val="solid"/>
-            <a:miter lim="800000"/>
-          </a:ln>
-          <a:effectLst/>
-          <a:extLst>
-            <a:ext uri="{909E8E84-426E-40DD-AFC4-6F175D3DCCD1}">
-              <a14:hiddenFill xmlns:a14="http://schemas.microsoft.com/office/drawing/2010/main">
-                <a:solidFill>
-                  <a:schemeClr val="accent1"/>
-                </a:solidFill>
-              </a14:hiddenFill>
-            </a:ext>
-            <a:ext uri="{91240B29-F687-4F45-9708-019B960494DF}">
-              <a14:hiddenLine xmlns:a14="http://schemas.microsoft.com/office/drawing/2010/main" w="12700" cap="flat" cmpd="sng" algn="ctr">
-                <a:solidFill>
-                  <a:schemeClr val="accent1">
-                    <a:shade val="50000"/>
-                  </a:schemeClr>
-                </a:solidFill>
-                <a:prstDash val="solid"/>
-                <a:miter lim="800000"/>
-              </a14:hiddenLine>
-            </a:ext>
-          </a:extLst>
-        </p:spPr>
-        <p:style>
-          <a:lnRef idx="2">
-            <a:schemeClr val="accent1">
-              <a:shade val="50000"/>
-            </a:schemeClr>
-          </a:lnRef>
-          <a:fillRef idx="1">
-            <a:schemeClr val="accent1"/>
-          </a:fillRef>
-          <a:effectRef idx="0">
-            <a:schemeClr val="accent1"/>
-          </a:effectRef>
-          <a:fontRef idx="minor">
-            <a:schemeClr val="lt1"/>
-          </a:fontRef>
-        </p:style>
-        <p:txBody>
-          <a:bodyPr lIns="103239" tIns="45884" rIns="103239" bIns="45884" rtlCol="0" anchor="t"/>
-          <a:lstStyle/>
-          <a:p>
-            <a:pPr algn="ctr"/>
-            <a:endParaRPr lang="en-US" sz="3300" b="1" dirty="0">
-              <a:solidFill>
-                <a:srgbClr val="FF0000"/>
-              </a:solidFill>
-              <a:latin typeface="Calibri" panose="020F0502020204030204" pitchFamily="34" charset="0"/>
-            </a:endParaRPr>
-          </a:p>
-        </p:txBody>
-      </p:sp>
-      <p:sp>
-        <p:nvSpPr>
-          <p:cNvPr id="3" name="Rectangle 2"/>
-          <p:cNvSpPr/>
-          <p:nvPr/>
-        </p:nvSpPr>
-        <p:spPr>
-          <a:xfrm>
-            <a:off x="610401" y="576114"/>
-            <a:ext cx="4681828" cy="6524863"/>
-          </a:xfrm>
-          <a:prstGeom prst="rect">
-            <a:avLst/>
-          </a:prstGeom>
-          <a:ln/>
-        </p:spPr>
-        <p:style>
-          <a:lnRef idx="2">
-            <a:schemeClr val="dk1"/>
-          </a:lnRef>
-          <a:fillRef idx="1">
-            <a:schemeClr val="lt1"/>
-          </a:fillRef>
-          <a:effectRef idx="0">
-            <a:schemeClr val="dk1"/>
-          </a:effectRef>
-          <a:fontRef idx="minor">
-            <a:schemeClr val="dk1"/>
-          </a:fontRef>
-        </p:style>
-        <p:txBody>
-          <a:bodyPr wrap="square">
-            <a:spAutoFit/>
-          </a:bodyPr>
-          <a:lstStyle/>
-          <a:p>
-            <a:r>
-              <a:rPr lang="en-US" b="1" dirty="0">
-                <a:solidFill>
-                  <a:srgbClr val="FF0000"/>
-                </a:solidFill>
-              </a:rPr>
-              <a:t>#include &lt;</a:t>
-            </a:r>
-            <a:r>
-              <a:rPr lang="en-US" b="1" dirty="0" err="1">
-                <a:solidFill>
-                  <a:srgbClr val="FF0000"/>
-                </a:solidFill>
-              </a:rPr>
-              <a:t>iostream</a:t>
-            </a:r>
-            <a:r>
-              <a:rPr lang="en-US" b="1" dirty="0">
-                <a:solidFill>
-                  <a:srgbClr val="FF0000"/>
-                </a:solidFill>
-              </a:rPr>
-              <a:t>&gt;</a:t>
-            </a:r>
-          </a:p>
-          <a:p>
-            <a:r>
-              <a:rPr lang="en-US" b="1" dirty="0">
-                <a:solidFill>
-                  <a:srgbClr val="FF0000"/>
-                </a:solidFill>
-              </a:rPr>
-              <a:t>using namespace </a:t>
-            </a:r>
-            <a:r>
-              <a:rPr lang="en-US" b="1" dirty="0" err="1">
-                <a:solidFill>
-                  <a:srgbClr val="FF0000"/>
-                </a:solidFill>
-              </a:rPr>
-              <a:t>std</a:t>
-            </a:r>
-            <a:r>
-              <a:rPr lang="en-US" b="1" dirty="0" smtClean="0">
-                <a:solidFill>
-                  <a:srgbClr val="FF0000"/>
-                </a:solidFill>
-              </a:rPr>
-              <a:t>;</a:t>
-            </a:r>
-            <a:endParaRPr lang="en-US" b="1" dirty="0">
-              <a:solidFill>
-                <a:srgbClr val="FF0000"/>
-              </a:solidFill>
-            </a:endParaRPr>
-          </a:p>
-          <a:p>
-            <a:r>
-              <a:rPr lang="en-US" b="1" dirty="0">
-                <a:solidFill>
-                  <a:srgbClr val="FF0000"/>
-                </a:solidFill>
-              </a:rPr>
-              <a:t>class </a:t>
-            </a:r>
-            <a:r>
-              <a:rPr lang="en-US" b="1" dirty="0" err="1">
-                <a:solidFill>
-                  <a:srgbClr val="FF0000"/>
-                </a:solidFill>
-              </a:rPr>
-              <a:t>BankAccount</a:t>
-            </a:r>
-            <a:r>
-              <a:rPr lang="en-US" b="1" dirty="0">
-                <a:solidFill>
-                  <a:srgbClr val="FF0000"/>
-                </a:solidFill>
-              </a:rPr>
-              <a:t> {</a:t>
-            </a:r>
-          </a:p>
-          <a:p>
-            <a:r>
-              <a:rPr lang="en-US" b="1" dirty="0">
-                <a:solidFill>
-                  <a:srgbClr val="FF0000"/>
-                </a:solidFill>
-              </a:rPr>
-              <a:t>  private:</a:t>
-            </a:r>
-          </a:p>
-          <a:p>
-            <a:r>
-              <a:rPr lang="en-US" b="1" dirty="0">
-                <a:solidFill>
-                  <a:srgbClr val="FF0000"/>
-                </a:solidFill>
-              </a:rPr>
-              <a:t>    </a:t>
-            </a:r>
-            <a:r>
-              <a:rPr lang="en-US" b="1" dirty="0" err="1">
-                <a:solidFill>
-                  <a:srgbClr val="FF0000"/>
-                </a:solidFill>
-              </a:rPr>
-              <a:t>int</a:t>
-            </a:r>
-            <a:r>
-              <a:rPr lang="en-US" b="1" dirty="0">
-                <a:solidFill>
-                  <a:srgbClr val="FF0000"/>
-                </a:solidFill>
-              </a:rPr>
-              <a:t> balance;</a:t>
-            </a:r>
-          </a:p>
-          <a:p>
-            <a:endParaRPr lang="en-US" b="1" dirty="0">
-              <a:solidFill>
-                <a:srgbClr val="FF0000"/>
-              </a:solidFill>
-            </a:endParaRPr>
-          </a:p>
-          <a:p>
-            <a:r>
-              <a:rPr lang="en-US" b="1" dirty="0">
-                <a:solidFill>
-                  <a:srgbClr val="FF0000"/>
-                </a:solidFill>
-              </a:rPr>
-              <a:t>  public:</a:t>
-            </a:r>
-          </a:p>
-          <a:p>
-            <a:r>
-              <a:rPr lang="en-US" b="1" dirty="0">
-                <a:solidFill>
-                  <a:srgbClr val="FF0000"/>
-                </a:solidFill>
-              </a:rPr>
-              <a:t>    </a:t>
-            </a:r>
-            <a:r>
-              <a:rPr lang="en-US" b="1" dirty="0" err="1">
-                <a:solidFill>
-                  <a:srgbClr val="FF0000"/>
-                </a:solidFill>
-              </a:rPr>
-              <a:t>BankAccount</a:t>
-            </a:r>
-            <a:r>
-              <a:rPr lang="en-US" b="1" dirty="0">
-                <a:solidFill>
-                  <a:srgbClr val="FF0000"/>
-                </a:solidFill>
-              </a:rPr>
-              <a:t>() {</a:t>
-            </a:r>
-          </a:p>
-          <a:p>
-            <a:r>
-              <a:rPr lang="en-US" b="1" dirty="0">
-                <a:solidFill>
-                  <a:srgbClr val="FF0000"/>
-                </a:solidFill>
-              </a:rPr>
-              <a:t>      balance = 1000;</a:t>
-            </a:r>
-          </a:p>
-          <a:p>
-            <a:r>
-              <a:rPr lang="en-US" b="1" dirty="0">
-                <a:solidFill>
-                  <a:srgbClr val="FF0000"/>
-                </a:solidFill>
-              </a:rPr>
-              <a:t>    </a:t>
-            </a:r>
-            <a:r>
-              <a:rPr lang="en-US" b="1" dirty="0" smtClean="0">
-                <a:solidFill>
-                  <a:srgbClr val="FF0000"/>
-                </a:solidFill>
-              </a:rPr>
-              <a:t>}</a:t>
-            </a:r>
-            <a:endParaRPr lang="en-US" b="1" dirty="0">
-              <a:solidFill>
-                <a:srgbClr val="FF0000"/>
-              </a:solidFill>
-            </a:endParaRPr>
-          </a:p>
-          <a:p>
-            <a:r>
-              <a:rPr lang="en-US" b="1" dirty="0">
-                <a:solidFill>
-                  <a:srgbClr val="FF0000"/>
-                </a:solidFill>
-              </a:rPr>
-              <a:t>    void deposit(</a:t>
-            </a:r>
-            <a:r>
-              <a:rPr lang="en-US" b="1" dirty="0" err="1">
-                <a:solidFill>
-                  <a:srgbClr val="FF0000"/>
-                </a:solidFill>
-              </a:rPr>
-              <a:t>int</a:t>
-            </a:r>
-            <a:r>
-              <a:rPr lang="en-US" b="1" dirty="0">
-                <a:solidFill>
-                  <a:srgbClr val="FF0000"/>
-                </a:solidFill>
-              </a:rPr>
-              <a:t> amount) {</a:t>
-            </a:r>
-          </a:p>
-          <a:p>
-            <a:r>
-              <a:rPr lang="en-US" b="1" dirty="0">
-                <a:solidFill>
-                  <a:srgbClr val="FF0000"/>
-                </a:solidFill>
-              </a:rPr>
-              <a:t>      balance += amount;</a:t>
-            </a:r>
-          </a:p>
-          <a:p>
-            <a:r>
-              <a:rPr lang="en-US" b="1" dirty="0">
-                <a:solidFill>
-                  <a:srgbClr val="FF0000"/>
-                </a:solidFill>
-              </a:rPr>
-              <a:t>    }</a:t>
-            </a:r>
-          </a:p>
-          <a:p>
-            <a:endParaRPr lang="en-US" b="1" dirty="0">
-              <a:solidFill>
-                <a:srgbClr val="FF0000"/>
-              </a:solidFill>
-            </a:endParaRPr>
-          </a:p>
-          <a:p>
-            <a:r>
-              <a:rPr lang="en-US" b="1" dirty="0">
-                <a:solidFill>
-                  <a:srgbClr val="FF0000"/>
-                </a:solidFill>
-              </a:rPr>
-              <a:t>    void </a:t>
-            </a:r>
-            <a:r>
-              <a:rPr lang="en-US" b="1" dirty="0" err="1">
-                <a:solidFill>
-                  <a:srgbClr val="002060"/>
-                </a:solidFill>
-              </a:rPr>
-              <a:t>showBalance</a:t>
-            </a:r>
-            <a:r>
-              <a:rPr lang="en-US" b="1" dirty="0">
-                <a:solidFill>
-                  <a:srgbClr val="FF0000"/>
-                </a:solidFill>
-              </a:rPr>
-              <a:t>() {</a:t>
-            </a:r>
-          </a:p>
-          <a:p>
-            <a:r>
-              <a:rPr lang="en-US" b="1" dirty="0">
-                <a:solidFill>
-                  <a:srgbClr val="FF0000"/>
-                </a:solidFill>
-              </a:rPr>
-              <a:t>      </a:t>
-            </a:r>
-            <a:r>
-              <a:rPr lang="en-US" b="1" dirty="0" err="1">
-                <a:solidFill>
-                  <a:srgbClr val="FF0000"/>
-                </a:solidFill>
-              </a:rPr>
-              <a:t>cout</a:t>
-            </a:r>
-            <a:r>
-              <a:rPr lang="en-US" b="1" dirty="0">
-                <a:solidFill>
-                  <a:srgbClr val="FF0000"/>
-                </a:solidFill>
-              </a:rPr>
-              <a:t> &lt;&lt; "Current Balance: " &lt;&lt; balance &lt;&lt; </a:t>
-            </a:r>
-            <a:r>
-              <a:rPr lang="en-US" b="1" dirty="0" err="1">
-                <a:solidFill>
-                  <a:srgbClr val="FF0000"/>
-                </a:solidFill>
-              </a:rPr>
-              <a:t>endl</a:t>
-            </a:r>
-            <a:r>
-              <a:rPr lang="en-US" b="1" dirty="0">
-                <a:solidFill>
-                  <a:srgbClr val="FF0000"/>
-                </a:solidFill>
-              </a:rPr>
-              <a:t>;</a:t>
-            </a:r>
-          </a:p>
-          <a:p>
-            <a:r>
-              <a:rPr lang="en-US" b="1" dirty="0">
-                <a:solidFill>
-                  <a:srgbClr val="FF0000"/>
-                </a:solidFill>
-              </a:rPr>
-              <a:t>    }</a:t>
-            </a:r>
-          </a:p>
-          <a:p>
-            <a:r>
-              <a:rPr lang="en-US" b="1" dirty="0">
-                <a:solidFill>
-                  <a:srgbClr val="FF0000"/>
-                </a:solidFill>
-              </a:rPr>
-              <a:t>};</a:t>
-            </a:r>
-          </a:p>
-        </p:txBody>
-      </p:sp>
-      <p:sp>
-        <p:nvSpPr>
-          <p:cNvPr id="2" name="Rectangle 1"/>
-          <p:cNvSpPr/>
-          <p:nvPr/>
-        </p:nvSpPr>
-        <p:spPr>
-          <a:xfrm>
-            <a:off x="5569872" y="2160290"/>
-            <a:ext cx="6156325" cy="2123658"/>
-          </a:xfrm>
-          <a:prstGeom prst="rect">
-            <a:avLst/>
-          </a:prstGeom>
-        </p:spPr>
-        <p:style>
-          <a:lnRef idx="2">
-            <a:schemeClr val="dk1"/>
-          </a:lnRef>
-          <a:fillRef idx="1">
-            <a:schemeClr val="lt1"/>
-          </a:fillRef>
-          <a:effectRef idx="0">
-            <a:schemeClr val="dk1"/>
-          </a:effectRef>
-          <a:fontRef idx="minor">
-            <a:schemeClr val="dk1"/>
-          </a:fontRef>
-        </p:style>
-        <p:txBody>
-          <a:bodyPr>
-            <a:spAutoFit/>
-          </a:bodyPr>
-          <a:lstStyle/>
-          <a:p>
-            <a:r>
-              <a:rPr lang="en-US" b="1" dirty="0" err="1">
-                <a:solidFill>
-                  <a:srgbClr val="FF0000"/>
-                </a:solidFill>
-              </a:rPr>
-              <a:t>int</a:t>
-            </a:r>
-            <a:r>
-              <a:rPr lang="en-US" b="1" dirty="0">
-                <a:solidFill>
-                  <a:srgbClr val="FF0000"/>
-                </a:solidFill>
-              </a:rPr>
-              <a:t> main() {</a:t>
-            </a:r>
-          </a:p>
-          <a:p>
-            <a:r>
-              <a:rPr lang="en-US" b="1" dirty="0">
-                <a:solidFill>
-                  <a:srgbClr val="FF0000"/>
-                </a:solidFill>
-              </a:rPr>
-              <a:t>  </a:t>
-            </a:r>
-            <a:r>
-              <a:rPr lang="en-US" b="1" dirty="0" err="1">
-                <a:solidFill>
-                  <a:srgbClr val="FF0000"/>
-                </a:solidFill>
-              </a:rPr>
-              <a:t>BankAccount</a:t>
-            </a:r>
-            <a:r>
-              <a:rPr lang="en-US" b="1" dirty="0">
-                <a:solidFill>
-                  <a:srgbClr val="FF0000"/>
-                </a:solidFill>
-              </a:rPr>
-              <a:t> </a:t>
-            </a:r>
-            <a:r>
-              <a:rPr lang="en-US" b="1" dirty="0" err="1">
-                <a:solidFill>
-                  <a:srgbClr val="FF0000"/>
-                </a:solidFill>
-              </a:rPr>
-              <a:t>acc</a:t>
-            </a:r>
-            <a:r>
-              <a:rPr lang="en-US" b="1" dirty="0">
-                <a:solidFill>
-                  <a:srgbClr val="FF0000"/>
-                </a:solidFill>
-              </a:rPr>
-              <a:t>;</a:t>
-            </a:r>
-          </a:p>
-          <a:p>
-            <a:r>
-              <a:rPr lang="en-US" b="1" dirty="0">
-                <a:solidFill>
-                  <a:srgbClr val="FF0000"/>
-                </a:solidFill>
-              </a:rPr>
-              <a:t>  </a:t>
-            </a:r>
-            <a:r>
-              <a:rPr lang="en-US" b="1" dirty="0" err="1">
-                <a:solidFill>
-                  <a:srgbClr val="FF0000"/>
-                </a:solidFill>
-              </a:rPr>
-              <a:t>acc.deposit</a:t>
-            </a:r>
-            <a:r>
-              <a:rPr lang="en-US" b="1" dirty="0">
-                <a:solidFill>
-                  <a:srgbClr val="FF0000"/>
-                </a:solidFill>
-              </a:rPr>
-              <a:t>(500);</a:t>
-            </a:r>
-          </a:p>
-          <a:p>
-            <a:r>
-              <a:rPr lang="en-US" b="1" dirty="0">
-                <a:solidFill>
-                  <a:srgbClr val="FF0000"/>
-                </a:solidFill>
-              </a:rPr>
-              <a:t>  </a:t>
-            </a:r>
-            <a:r>
-              <a:rPr lang="en-US" b="1" dirty="0" err="1">
-                <a:solidFill>
-                  <a:srgbClr val="002060"/>
-                </a:solidFill>
-              </a:rPr>
-              <a:t>acc.showBalance</a:t>
-            </a:r>
-            <a:r>
-              <a:rPr lang="en-US" b="1" dirty="0">
-                <a:solidFill>
-                  <a:srgbClr val="FF0000"/>
-                </a:solidFill>
-              </a:rPr>
-              <a:t>();</a:t>
-            </a:r>
-          </a:p>
-          <a:p>
-            <a:r>
-              <a:rPr lang="en-US" b="1" dirty="0">
-                <a:solidFill>
-                  <a:srgbClr val="FF0000"/>
-                </a:solidFill>
-              </a:rPr>
-              <a:t>  return 0;</a:t>
-            </a:r>
-          </a:p>
-          <a:p>
-            <a:r>
-              <a:rPr lang="en-US" b="1" dirty="0">
-                <a:solidFill>
-                  <a:srgbClr val="FF0000"/>
-                </a:solidFill>
-              </a:rPr>
-              <a:t>}</a:t>
-            </a:r>
-            <a:endParaRPr lang="en-US" b="1" dirty="0">
-              <a:solidFill>
-                <a:srgbClr val="FF0000"/>
-              </a:solidFill>
-            </a:endParaRPr>
-          </a:p>
-        </p:txBody>
-      </p:sp>
-    </p:spTree>
-    <p:extLst>
-      <p:ext uri="{BB962C8B-B14F-4D97-AF65-F5344CB8AC3E}">
-        <p14:creationId xmlns:p14="http://schemas.microsoft.com/office/powerpoint/2010/main" val="1107281065"/>
-      </p:ext>
-    </p:extLst>
-  </p:cSld>
-  <p:clrMapOvr>
-    <a:masterClrMapping/>
-  </p:clrMapOvr>
-  <p:timing>
-    <p:tnLst>
-      <p:par>
-        <p:cTn id="1" dur="indefinite" restart="never" nodeType="tmRoot"/>
-      </p:par>
-    </p:tnLst>
-  </p:timing>
-</p:sld>
-</file>
-
-<file path=ppt/slides/slide19.xml><?xml version="1.0" encoding="utf-8"?>
-<p:sld xmlns:a="http://schemas.openxmlformats.org/drawingml/2006/main" xmlns:r="http://schemas.openxmlformats.org/officeDocument/2006/relationships" xmlns:p="http://schemas.openxmlformats.org/presentationml/2006/main">
-  <p:cSld>
-    <p:spTree>
-      <p:nvGrpSpPr>
-        <p:cNvPr id="1" name=""/>
-        <p:cNvGrpSpPr/>
-        <p:nvPr/>
-      </p:nvGrpSpPr>
-      <p:grpSpPr>
-        <a:xfrm>
-          <a:off x="0" y="0"/>
-          <a:ext cx="0" cy="0"/>
-          <a:chOff x="0" y="0"/>
-          <a:chExt cx="0" cy="0"/>
-        </a:xfrm>
-      </p:grpSpPr>
-      <p:pic>
-        <p:nvPicPr>
-          <p:cNvPr id="4" name="Picture 3"/>
-          <p:cNvPicPr>
-            <a:picLocks noChangeAspect="1"/>
-          </p:cNvPicPr>
-          <p:nvPr/>
-        </p:nvPicPr>
-        <p:blipFill>
-          <a:blip r:embed="rId2" cstate="print">
-            <a:extLst>
-              <a:ext uri="{28A0092B-C50C-407E-A947-70E740481C1C}">
-                <a14:useLocalDpi xmlns:a14="http://schemas.microsoft.com/office/drawing/2010/main" val="0"/>
-              </a:ext>
-            </a:extLst>
-          </a:blip>
-          <a:stretch>
-            <a:fillRect/>
-          </a:stretch>
-        </p:blipFill>
-        <p:spPr>
-          <a:xfrm>
-            <a:off x="4428133" y="720129"/>
-            <a:ext cx="3548672" cy="2415135"/>
-          </a:xfrm>
-          <a:prstGeom prst="rect">
-            <a:avLst/>
-          </a:prstGeom>
-        </p:spPr>
-      </p:pic>
-      <p:sp>
-        <p:nvSpPr>
-          <p:cNvPr id="7" name="TextBox 6"/>
-          <p:cNvSpPr txBox="1"/>
-          <p:nvPr/>
-        </p:nvSpPr>
-        <p:spPr>
-          <a:xfrm>
-            <a:off x="1680906" y="2808362"/>
-            <a:ext cx="9344750" cy="2646878"/>
-          </a:xfrm>
-          <a:prstGeom prst="rect">
-            <a:avLst/>
-          </a:prstGeom>
-          <a:noFill/>
-        </p:spPr>
-        <p:txBody>
-          <a:bodyPr wrap="square" rtlCol="0">
-            <a:spAutoFit/>
-          </a:bodyPr>
-          <a:lstStyle/>
-          <a:p>
-            <a:r>
-              <a:rPr lang="en-US" sz="16600" b="1" dirty="0" smtClean="0">
-                <a:ln w="10541" cmpd="sng">
-                  <a:solidFill>
-                    <a:schemeClr val="accent1">
-                      <a:shade val="88000"/>
-                      <a:satMod val="110000"/>
-                    </a:schemeClr>
-                  </a:solidFill>
-                  <a:prstDash val="solid"/>
-                </a:ln>
-                <a:gradFill>
-                  <a:gsLst>
-                    <a:gs pos="0">
-                      <a:schemeClr val="accent1">
-                        <a:tint val="40000"/>
-                        <a:satMod val="250000"/>
-                      </a:schemeClr>
-                    </a:gs>
-                    <a:gs pos="9000">
-                      <a:schemeClr val="accent1">
-                        <a:tint val="52000"/>
-                        <a:satMod val="300000"/>
-                      </a:schemeClr>
-                    </a:gs>
-                    <a:gs pos="50000">
-                      <a:schemeClr val="accent1">
-                        <a:shade val="20000"/>
-                        <a:satMod val="300000"/>
-                      </a:schemeClr>
-                    </a:gs>
-                    <a:gs pos="79000">
-                      <a:schemeClr val="accent1">
-                        <a:tint val="52000"/>
-                        <a:satMod val="300000"/>
-                      </a:schemeClr>
-                    </a:gs>
-                    <a:gs pos="100000">
-                      <a:schemeClr val="accent1">
-                        <a:tint val="40000"/>
-                        <a:satMod val="250000"/>
-                      </a:schemeClr>
-                    </a:gs>
-                  </a:gsLst>
-                  <a:lin ang="5400000"/>
-                </a:gradFill>
-              </a:rPr>
-              <a:t>Thank You</a:t>
-            </a:r>
-            <a:endParaRPr lang="en-IN" sz="16600" b="1" dirty="0">
-              <a:ln w="10541" cmpd="sng">
-                <a:solidFill>
-                  <a:schemeClr val="accent1">
-                    <a:shade val="88000"/>
-                    <a:satMod val="110000"/>
-                  </a:schemeClr>
-                </a:solidFill>
-                <a:prstDash val="solid"/>
-              </a:ln>
-              <a:gradFill>
-                <a:gsLst>
-                  <a:gs pos="0">
-                    <a:schemeClr val="accent1">
-                      <a:tint val="40000"/>
-                      <a:satMod val="250000"/>
-                    </a:schemeClr>
-                  </a:gs>
-                  <a:gs pos="9000">
-                    <a:schemeClr val="accent1">
-                      <a:tint val="52000"/>
-                      <a:satMod val="300000"/>
-                    </a:schemeClr>
-                  </a:gs>
-                  <a:gs pos="50000">
-                    <a:schemeClr val="accent1">
-                      <a:shade val="20000"/>
-                      <a:satMod val="300000"/>
-                    </a:schemeClr>
-                  </a:gs>
-                  <a:gs pos="79000">
-                    <a:schemeClr val="accent1">
-                      <a:tint val="52000"/>
-                      <a:satMod val="300000"/>
-                    </a:schemeClr>
-                  </a:gs>
-                  <a:gs pos="100000">
-                    <a:schemeClr val="accent1">
-                      <a:tint val="40000"/>
-                      <a:satMod val="250000"/>
-                    </a:schemeClr>
-                  </a:gs>
-                </a:gsLst>
-                <a:lin ang="5400000"/>
-              </a:gradFill>
-            </a:endParaRPr>
-          </a:p>
-        </p:txBody>
-      </p:sp>
-    </p:spTree>
-    <p:extLst>
-      <p:ext uri="{BB962C8B-B14F-4D97-AF65-F5344CB8AC3E}">
-        <p14:creationId xmlns:p14="http://schemas.microsoft.com/office/powerpoint/2010/main" val="4088372467"/>
-      </p:ext>
-    </p:extLst>
-  </p:cSld>
-  <p:clrMapOvr>
-    <a:masterClrMapping/>
-  </p:clrMapOvr>
-  <p:timing>
-    <p:tnLst>
-      <p:par>
-        <p:cTn id="1" dur="indefinite" restart="never" nodeType="tmRoot"/>
-      </p:par>
-    </p:tnLst>
-  </p:timing>
-</p:sld>
-</file>
-
 <file path=ppt/slides/slide2.xml><?xml version="1.0" encoding="utf-8"?>
 <p:sld xmlns:a="http://schemas.openxmlformats.org/drawingml/2006/main" xmlns:r="http://schemas.openxmlformats.org/officeDocument/2006/relationships" xmlns:p="http://schemas.openxmlformats.org/presentationml/2006/main">
   <p:cSld>
@@ -10849,7 +6237,7 @@
         <p:nvPicPr>
           <p:cNvPr id="4" name="Picture 3"/>
           <p:cNvPicPr>
-            <a:picLocks/>
+            <a:picLocks noChangeAspect="1"/>
           </p:cNvPicPr>
           <p:nvPr/>
         </p:nvPicPr>
@@ -10867,8 +6255,8 @@
         </p:blipFill>
         <p:spPr>
           <a:xfrm>
-            <a:off x="10588819" y="180259"/>
-            <a:ext cx="1477497" cy="990055"/>
+            <a:off x="4428133" y="720129"/>
+            <a:ext cx="3548672" cy="2415135"/>
           </a:xfrm>
           <a:prstGeom prst="rect">
             <a:avLst/>
@@ -10877,86 +6265,14 @@
       </p:pic>
       <p:sp>
         <p:nvSpPr>
-          <p:cNvPr id="5" name="Rectangle 4"/>
-          <p:cNvSpPr/>
+          <p:cNvPr id="7" name="TextBox 6"/>
+          <p:cNvSpPr txBox="1"/>
           <p:nvPr/>
         </p:nvSpPr>
         <p:spPr>
           <a:xfrm>
-            <a:off x="7551740" y="5760571"/>
-            <a:ext cx="5827907" cy="1710096"/>
-          </a:xfrm>
-          <a:prstGeom prst="rect">
-            <a:avLst/>
-          </a:prstGeom>
-          <a:noFill/>
-          <a:ln w="12700" cap="flat" cmpd="sng" algn="ctr">
-            <a:noFill/>
-            <a:prstDash val="solid"/>
-            <a:miter lim="800000"/>
-          </a:ln>
-          <a:effectLst/>
-          <a:extLst>
-            <a:ext uri="{909E8E84-426E-40DD-AFC4-6F175D3DCCD1}">
-              <a14:hiddenFill xmlns:a14="http://schemas.microsoft.com/office/drawing/2010/main">
-                <a:solidFill>
-                  <a:schemeClr val="accent1"/>
-                </a:solidFill>
-              </a14:hiddenFill>
-            </a:ext>
-            <a:ext uri="{91240B29-F687-4F45-9708-019B960494DF}">
-              <a14:hiddenLine xmlns:a14="http://schemas.microsoft.com/office/drawing/2010/main" w="12700" cap="flat" cmpd="sng" algn="ctr">
-                <a:solidFill>
-                  <a:schemeClr val="accent1">
-                    <a:shade val="50000"/>
-                  </a:schemeClr>
-                </a:solidFill>
-                <a:prstDash val="solid"/>
-                <a:miter lim="800000"/>
-              </a14:hiddenLine>
-            </a:ext>
-          </a:extLst>
-        </p:spPr>
-        <p:style>
-          <a:lnRef idx="2">
-            <a:schemeClr val="accent1">
-              <a:shade val="50000"/>
-            </a:schemeClr>
-          </a:lnRef>
-          <a:fillRef idx="1">
-            <a:schemeClr val="accent1"/>
-          </a:fillRef>
-          <a:effectRef idx="0">
-            <a:schemeClr val="accent1"/>
-          </a:effectRef>
-          <a:fontRef idx="minor">
-            <a:schemeClr val="lt1"/>
-          </a:fontRef>
-        </p:style>
-        <p:txBody>
-          <a:bodyPr lIns="103239" tIns="45884" rIns="103239" bIns="45884" rtlCol="0" anchor="t"/>
-          <a:lstStyle/>
-          <a:p>
-            <a:pPr algn="ctr"/>
-            <a:endParaRPr lang="en-US" sz="3300" b="1" dirty="0">
-              <a:solidFill>
-                <a:srgbClr val="FF0000"/>
-              </a:solidFill>
-              <a:latin typeface="Calibri" panose="020F0502020204030204" pitchFamily="34" charset="0"/>
-            </a:endParaRPr>
-          </a:p>
-        </p:txBody>
-      </p:sp>
-      <p:sp>
-        <p:nvSpPr>
-          <p:cNvPr id="9" name="TextBox 8"/>
-          <p:cNvSpPr txBox="1"/>
-          <p:nvPr/>
-        </p:nvSpPr>
-        <p:spPr>
-          <a:xfrm>
-            <a:off x="382021" y="432098"/>
-            <a:ext cx="10083672" cy="2819631"/>
+            <a:off x="1680906" y="2808362"/>
+            <a:ext cx="9344750" cy="2646878"/>
           </a:xfrm>
           <a:prstGeom prst="rect">
             <a:avLst/>
@@ -10964,255 +6280,113 @@
           <a:noFill/>
         </p:spPr>
         <p:txBody>
-          <a:bodyPr wrap="square" lIns="110121" tIns="55061" rIns="110121" bIns="55061" rtlCol="0">
+          <a:bodyPr wrap="square" rtlCol="0">
             <a:spAutoFit/>
           </a:bodyPr>
           <a:lstStyle/>
           <a:p>
             <a:r>
-              <a:rPr lang="en-US" b="1" dirty="0">
+              <a:rPr lang="en-US" sz="16600" b="1" dirty="0" smtClean="0">
+                <a:ln w="10541" cmpd="sng">
+                  <a:solidFill>
+                    <a:schemeClr val="accent1">
+                      <a:shade val="88000"/>
+                      <a:satMod val="110000"/>
+                    </a:schemeClr>
+                  </a:solidFill>
+                  <a:prstDash val="solid"/>
+                </a:ln>
+                <a:gradFill>
+                  <a:gsLst>
+                    <a:gs pos="0">
+                      <a:schemeClr val="accent1">
+                        <a:tint val="40000"/>
+                        <a:satMod val="250000"/>
+                      </a:schemeClr>
+                    </a:gs>
+                    <a:gs pos="9000">
+                      <a:schemeClr val="accent1">
+                        <a:tint val="52000"/>
+                        <a:satMod val="300000"/>
+                      </a:schemeClr>
+                    </a:gs>
+                    <a:gs pos="50000">
+                      <a:schemeClr val="accent1">
+                        <a:shade val="20000"/>
+                        <a:satMod val="300000"/>
+                      </a:schemeClr>
+                    </a:gs>
+                    <a:gs pos="79000">
+                      <a:schemeClr val="accent1">
+                        <a:tint val="52000"/>
+                        <a:satMod val="300000"/>
+                      </a:schemeClr>
+                    </a:gs>
+                    <a:gs pos="100000">
+                      <a:schemeClr val="accent1">
+                        <a:tint val="40000"/>
+                        <a:satMod val="250000"/>
+                      </a:schemeClr>
+                    </a:gs>
+                  </a:gsLst>
+                  <a:lin ang="5400000"/>
+                </a:gradFill>
+              </a:rPr>
+              <a:t>Thank You</a:t>
+            </a:r>
+            <a:endParaRPr lang="en-IN" sz="16600" b="1" dirty="0">
+              <a:ln w="10541" cmpd="sng">
                 <a:solidFill>
-                  <a:srgbClr val="FF0000"/>
+                  <a:schemeClr val="accent1">
+                    <a:shade val="88000"/>
+                    <a:satMod val="110000"/>
+                  </a:schemeClr>
                 </a:solidFill>
-              </a:rPr>
-              <a:t>What is a Constructor</a:t>
-            </a:r>
-            <a:r>
-              <a:rPr lang="en-US" b="1" dirty="0" smtClean="0">
-                <a:solidFill>
-                  <a:srgbClr val="FF0000"/>
-                </a:solidFill>
-              </a:rPr>
-              <a:t>?</a:t>
-            </a:r>
-          </a:p>
-          <a:p>
-            <a:endParaRPr lang="en-US" b="1" dirty="0"/>
-          </a:p>
-          <a:p>
-            <a:pPr marL="898398" lvl="1" indent="-342900">
-              <a:lnSpc>
-                <a:spcPct val="150000"/>
-              </a:lnSpc>
-              <a:buFont typeface="Arial" pitchFamily="34" charset="0"/>
-              <a:buChar char="•"/>
-            </a:pPr>
-            <a:r>
-              <a:rPr lang="en-US" dirty="0"/>
-              <a:t>A </a:t>
-            </a:r>
-            <a:r>
-              <a:rPr lang="en-US" b="1" dirty="0"/>
-              <a:t>constructor</a:t>
-            </a:r>
-            <a:r>
-              <a:rPr lang="en-US" dirty="0"/>
-              <a:t> is a special function in a class.</a:t>
-            </a:r>
-          </a:p>
-          <a:p>
-            <a:pPr marL="898398" lvl="1" indent="-342900">
-              <a:lnSpc>
-                <a:spcPct val="150000"/>
-              </a:lnSpc>
-              <a:buFont typeface="Arial" pitchFamily="34" charset="0"/>
-              <a:buChar char="•"/>
-            </a:pPr>
-            <a:r>
-              <a:rPr lang="en-US" dirty="0"/>
-              <a:t>It is </a:t>
-            </a:r>
-            <a:r>
-              <a:rPr lang="en-US" b="1" dirty="0"/>
-              <a:t>automatically called</a:t>
-            </a:r>
-            <a:r>
-              <a:rPr lang="en-US" dirty="0"/>
-              <a:t> when an object is created.</a:t>
-            </a:r>
-          </a:p>
-          <a:p>
-            <a:pPr marL="898398" lvl="1" indent="-342900">
-              <a:lnSpc>
-                <a:spcPct val="150000"/>
-              </a:lnSpc>
-              <a:buFont typeface="Arial" pitchFamily="34" charset="0"/>
-              <a:buChar char="•"/>
-            </a:pPr>
-            <a:r>
-              <a:rPr lang="en-US" dirty="0"/>
-              <a:t>It is used to </a:t>
-            </a:r>
-            <a:r>
-              <a:rPr lang="en-US" b="1" dirty="0"/>
-              <a:t>initialize object data</a:t>
-            </a:r>
-            <a:r>
-              <a:rPr lang="en-US" dirty="0"/>
-              <a:t>.</a:t>
-            </a:r>
-          </a:p>
-          <a:p>
-            <a:pPr marL="898398" lvl="1" indent="-342900">
-              <a:lnSpc>
-                <a:spcPct val="150000"/>
-              </a:lnSpc>
-              <a:buFont typeface="Arial" pitchFamily="34" charset="0"/>
-              <a:buChar char="•"/>
-            </a:pPr>
-            <a:r>
-              <a:rPr lang="en-US" dirty="0"/>
-              <a:t>A constructor has the </a:t>
-            </a:r>
-            <a:r>
-              <a:rPr lang="en-US" b="1" dirty="0"/>
-              <a:t>same name as the class</a:t>
-            </a:r>
-            <a:r>
-              <a:rPr lang="en-US" dirty="0"/>
-              <a:t> and </a:t>
-            </a:r>
-            <a:r>
-              <a:rPr lang="en-US" b="1" dirty="0"/>
-              <a:t>no return type</a:t>
-            </a:r>
-            <a:r>
-              <a:rPr lang="en-US" dirty="0"/>
-              <a:t>.</a:t>
-            </a:r>
-          </a:p>
-        </p:txBody>
-      </p:sp>
-      <p:sp>
-        <p:nvSpPr>
-          <p:cNvPr id="2" name="Rectangle 1"/>
-          <p:cNvSpPr/>
-          <p:nvPr/>
-        </p:nvSpPr>
-        <p:spPr>
-          <a:xfrm>
-            <a:off x="755725" y="3384426"/>
-            <a:ext cx="10945216" cy="4154984"/>
-          </a:xfrm>
-          <a:prstGeom prst="rect">
-            <a:avLst/>
-          </a:prstGeom>
-        </p:spPr>
-        <p:txBody>
-          <a:bodyPr wrap="square">
-            <a:spAutoFit/>
-          </a:bodyPr>
-          <a:lstStyle/>
-          <a:p>
-            <a:r>
-              <a:rPr lang="en-US" b="1" dirty="0">
-                <a:solidFill>
-                  <a:srgbClr val="FF0000"/>
-                </a:solidFill>
-              </a:rPr>
-              <a:t>Types of Constructors in C++</a:t>
-            </a:r>
-          </a:p>
-          <a:p>
-            <a:r>
-              <a:rPr lang="en-US" b="1" dirty="0"/>
-              <a:t>1. Default Constructor</a:t>
-            </a:r>
-            <a:endParaRPr lang="en-US" dirty="0"/>
-          </a:p>
-          <a:p>
-            <a:pPr marL="898398" lvl="1" indent="-342900">
-              <a:buFont typeface="Arial" pitchFamily="34" charset="0"/>
-              <a:buChar char="•"/>
-            </a:pPr>
-            <a:r>
-              <a:rPr lang="en-US" dirty="0"/>
-              <a:t>Takes no parameters.</a:t>
-            </a:r>
-          </a:p>
-          <a:p>
-            <a:pPr marL="898398" lvl="1" indent="-342900">
-              <a:buFont typeface="Arial" pitchFamily="34" charset="0"/>
-              <a:buChar char="•"/>
-            </a:pPr>
-            <a:r>
-              <a:rPr lang="en-US" dirty="0"/>
-              <a:t>Provides default values to object data</a:t>
-            </a:r>
-            <a:r>
-              <a:rPr lang="en-US" dirty="0" smtClean="0"/>
-              <a:t>.</a:t>
-            </a:r>
-          </a:p>
-          <a:p>
-            <a:pPr marL="898398" lvl="1" indent="-342900">
-              <a:buFont typeface="Arial" pitchFamily="34" charset="0"/>
-              <a:buChar char="•"/>
-            </a:pPr>
-            <a:endParaRPr lang="en-US" dirty="0" smtClean="0"/>
-          </a:p>
-          <a:p>
-            <a:r>
-              <a:rPr lang="en-US" b="1" dirty="0" smtClean="0"/>
-              <a:t>2.Parameterized </a:t>
-            </a:r>
-            <a:r>
-              <a:rPr lang="en-US" b="1" dirty="0"/>
-              <a:t>Constructor</a:t>
-            </a:r>
-            <a:endParaRPr lang="en-US" dirty="0"/>
-          </a:p>
-          <a:p>
-            <a:pPr marL="898398" lvl="1" indent="-342900">
-              <a:buFont typeface="Arial" pitchFamily="34" charset="0"/>
-              <a:buChar char="•"/>
-            </a:pPr>
-            <a:r>
-              <a:rPr lang="en-US" dirty="0"/>
-              <a:t>Takes parameters to assign custom values to object data</a:t>
-            </a:r>
-            <a:r>
-              <a:rPr lang="en-US" dirty="0" smtClean="0"/>
-              <a:t>.</a:t>
-            </a:r>
-          </a:p>
-          <a:p>
-            <a:pPr marL="898398" lvl="1" indent="-342900">
-              <a:buFont typeface="Arial" pitchFamily="34" charset="0"/>
-              <a:buChar char="•"/>
-            </a:pPr>
-            <a:endParaRPr lang="en-US" dirty="0"/>
-          </a:p>
-          <a:p>
-            <a:r>
-              <a:rPr lang="en-US" b="1" dirty="0"/>
-              <a:t>3. Copy Constructor</a:t>
-            </a:r>
-            <a:endParaRPr lang="en-US" dirty="0"/>
-          </a:p>
-          <a:p>
-            <a:r>
-              <a:rPr lang="en-US" dirty="0"/>
-              <a:t>Creates a new object by copying values from an existing object.</a:t>
-            </a:r>
-          </a:p>
-          <a:p>
-            <a:pPr lvl="1"/>
-            <a:endParaRPr lang="en-US" dirty="0"/>
-          </a:p>
-          <a:p>
-            <a:pPr marL="898398" lvl="1" indent="-342900">
-              <a:buFont typeface="Arial" pitchFamily="34" charset="0"/>
-              <a:buChar char="•"/>
-            </a:pPr>
-            <a:endParaRPr lang="en-US" dirty="0"/>
+                <a:prstDash val="solid"/>
+              </a:ln>
+              <a:gradFill>
+                <a:gsLst>
+                  <a:gs pos="0">
+                    <a:schemeClr val="accent1">
+                      <a:tint val="40000"/>
+                      <a:satMod val="250000"/>
+                    </a:schemeClr>
+                  </a:gs>
+                  <a:gs pos="9000">
+                    <a:schemeClr val="accent1">
+                      <a:tint val="52000"/>
+                      <a:satMod val="300000"/>
+                    </a:schemeClr>
+                  </a:gs>
+                  <a:gs pos="50000">
+                    <a:schemeClr val="accent1">
+                      <a:shade val="20000"/>
+                      <a:satMod val="300000"/>
+                    </a:schemeClr>
+                  </a:gs>
+                  <a:gs pos="79000">
+                    <a:schemeClr val="accent1">
+                      <a:tint val="52000"/>
+                      <a:satMod val="300000"/>
+                    </a:schemeClr>
+                  </a:gs>
+                  <a:gs pos="100000">
+                    <a:schemeClr val="accent1">
+                      <a:tint val="40000"/>
+                      <a:satMod val="250000"/>
+                    </a:schemeClr>
+                  </a:gs>
+                </a:gsLst>
+                <a:lin ang="5400000"/>
+              </a:gradFill>
+            </a:endParaRPr>
           </a:p>
         </p:txBody>
       </p:sp>
     </p:spTree>
     <p:extLst>
       <p:ext uri="{BB962C8B-B14F-4D97-AF65-F5344CB8AC3E}">
-        <p14:creationId xmlns:p14="http://schemas.microsoft.com/office/powerpoint/2010/main" val="2672029498"/>
+        <p14:creationId xmlns:p14="http://schemas.microsoft.com/office/powerpoint/2010/main" val="4088372467"/>
       </p:ext>
     </p:extLst>
   </p:cSld>
